--- a/Project_power_point.pptx
+++ b/Project_power_point.pptx
@@ -113,6 +113,11 @@
       </a:defRPr>
     </a:lvl9pPr>
   </p:defaultTextStyle>
+  <p:extLst>
+    <p:ext uri="{EFAFB233-063F-42B5-8137-9DF3F51BA10A}">
+      <p15:sldGuideLst xmlns:p15="http://schemas.microsoft.com/office/powerpoint/2012/main"/>
+    </p:ext>
+  </p:extLst>
 </p:presentation>
 </file>
 
@@ -263,7 +268,7 @@
           <a:p>
             <a:fld id="{314DDD41-468A-43EB-BCC5-238AB8B4300F}" type="datetimeFigureOut">
               <a:rPr lang="en-US" smtClean="0"/>
-              <a:t>10/28/2021</a:t>
+              <a:t>10/30/2021</a:t>
             </a:fld>
             <a:endParaRPr lang="en-US"/>
           </a:p>
@@ -461,7 +466,7 @@
           <a:p>
             <a:fld id="{314DDD41-468A-43EB-BCC5-238AB8B4300F}" type="datetimeFigureOut">
               <a:rPr lang="en-US" smtClean="0"/>
-              <a:t>10/28/2021</a:t>
+              <a:t>10/30/2021</a:t>
             </a:fld>
             <a:endParaRPr lang="en-US"/>
           </a:p>
@@ -669,7 +674,7 @@
           <a:p>
             <a:fld id="{314DDD41-468A-43EB-BCC5-238AB8B4300F}" type="datetimeFigureOut">
               <a:rPr lang="en-US" smtClean="0"/>
-              <a:t>10/28/2021</a:t>
+              <a:t>10/30/2021</a:t>
             </a:fld>
             <a:endParaRPr lang="en-US"/>
           </a:p>
@@ -867,7 +872,7 @@
           <a:p>
             <a:fld id="{314DDD41-468A-43EB-BCC5-238AB8B4300F}" type="datetimeFigureOut">
               <a:rPr lang="en-US" smtClean="0"/>
-              <a:t>10/28/2021</a:t>
+              <a:t>10/30/2021</a:t>
             </a:fld>
             <a:endParaRPr lang="en-US"/>
           </a:p>
@@ -1142,7 +1147,7 @@
           <a:p>
             <a:fld id="{314DDD41-468A-43EB-BCC5-238AB8B4300F}" type="datetimeFigureOut">
               <a:rPr lang="en-US" smtClean="0"/>
-              <a:t>10/28/2021</a:t>
+              <a:t>10/30/2021</a:t>
             </a:fld>
             <a:endParaRPr lang="en-US"/>
           </a:p>
@@ -1407,7 +1412,7 @@
           <a:p>
             <a:fld id="{314DDD41-468A-43EB-BCC5-238AB8B4300F}" type="datetimeFigureOut">
               <a:rPr lang="en-US" smtClean="0"/>
-              <a:t>10/28/2021</a:t>
+              <a:t>10/30/2021</a:t>
             </a:fld>
             <a:endParaRPr lang="en-US"/>
           </a:p>
@@ -1819,7 +1824,7 @@
           <a:p>
             <a:fld id="{314DDD41-468A-43EB-BCC5-238AB8B4300F}" type="datetimeFigureOut">
               <a:rPr lang="en-US" smtClean="0"/>
-              <a:t>10/28/2021</a:t>
+              <a:t>10/30/2021</a:t>
             </a:fld>
             <a:endParaRPr lang="en-US"/>
           </a:p>
@@ -1960,7 +1965,7 @@
           <a:p>
             <a:fld id="{314DDD41-468A-43EB-BCC5-238AB8B4300F}" type="datetimeFigureOut">
               <a:rPr lang="en-US" smtClean="0"/>
-              <a:t>10/28/2021</a:t>
+              <a:t>10/30/2021</a:t>
             </a:fld>
             <a:endParaRPr lang="en-US"/>
           </a:p>
@@ -2073,7 +2078,7 @@
           <a:p>
             <a:fld id="{314DDD41-468A-43EB-BCC5-238AB8B4300F}" type="datetimeFigureOut">
               <a:rPr lang="en-US" smtClean="0"/>
-              <a:t>10/28/2021</a:t>
+              <a:t>10/30/2021</a:t>
             </a:fld>
             <a:endParaRPr lang="en-US"/>
           </a:p>
@@ -2384,7 +2389,7 @@
           <a:p>
             <a:fld id="{314DDD41-468A-43EB-BCC5-238AB8B4300F}" type="datetimeFigureOut">
               <a:rPr lang="en-US" smtClean="0"/>
-              <a:t>10/28/2021</a:t>
+              <a:t>10/30/2021</a:t>
             </a:fld>
             <a:endParaRPr lang="en-US"/>
           </a:p>
@@ -2672,7 +2677,7 @@
           <a:p>
             <a:fld id="{314DDD41-468A-43EB-BCC5-238AB8B4300F}" type="datetimeFigureOut">
               <a:rPr lang="en-US" smtClean="0"/>
-              <a:t>10/28/2021</a:t>
+              <a:t>10/30/2021</a:t>
             </a:fld>
             <a:endParaRPr lang="en-US"/>
           </a:p>
@@ -2913,7 +2918,7 @@
           <a:p>
             <a:fld id="{314DDD41-468A-43EB-BCC5-238AB8B4300F}" type="datetimeFigureOut">
               <a:rPr lang="en-US" smtClean="0"/>
-              <a:t>10/28/2021</a:t>
+              <a:t>10/30/2021</a:t>
             </a:fld>
             <a:endParaRPr lang="en-US"/>
           </a:p>
@@ -4073,7 +4078,10 @@
           <a:bodyPr/>
           <a:lstStyle/>
           <a:p>
-            <a:endParaRPr lang="en-US" dirty="0"/>
+            <a:r>
+              <a:rPr lang="en-US" dirty="0"/>
+              <a:t>Overall Change in the quantity of sales</a:t>
+            </a:r>
           </a:p>
         </p:txBody>
       </p:sp>
@@ -4199,7 +4207,10 @@
           <a:bodyPr/>
           <a:lstStyle/>
           <a:p>
-            <a:endParaRPr lang="en-US"/>
+            <a:r>
+              <a:rPr lang="en-US" dirty="0"/>
+              <a:t>Changes in the application</a:t>
+            </a:r>
           </a:p>
         </p:txBody>
       </p:sp>

--- a/Project_power_point.pptx
+++ b/Project_power_point.pptx
@@ -5,21 +5,22 @@
     <p:sldMasterId id="2147483648" r:id="rId1"/>
   </p:sldMasterIdLst>
   <p:notesMasterIdLst>
-    <p:notesMasterId r:id="rId14"/>
+    <p:notesMasterId r:id="rId15"/>
   </p:notesMasterIdLst>
   <p:sldIdLst>
     <p:sldId id="256" r:id="rId2"/>
     <p:sldId id="257" r:id="rId3"/>
     <p:sldId id="265" r:id="rId4"/>
     <p:sldId id="258" r:id="rId5"/>
-    <p:sldId id="267" r:id="rId6"/>
-    <p:sldId id="268" r:id="rId7"/>
-    <p:sldId id="262" r:id="rId8"/>
-    <p:sldId id="269" r:id="rId9"/>
-    <p:sldId id="261" r:id="rId10"/>
-    <p:sldId id="270" r:id="rId11"/>
-    <p:sldId id="260" r:id="rId12"/>
-    <p:sldId id="259" r:id="rId13"/>
+    <p:sldId id="271" r:id="rId6"/>
+    <p:sldId id="267" r:id="rId7"/>
+    <p:sldId id="268" r:id="rId8"/>
+    <p:sldId id="262" r:id="rId9"/>
+    <p:sldId id="269" r:id="rId10"/>
+    <p:sldId id="261" r:id="rId11"/>
+    <p:sldId id="270" r:id="rId12"/>
+    <p:sldId id="260" r:id="rId13"/>
+    <p:sldId id="259" r:id="rId14"/>
   </p:sldIdLst>
   <p:sldSz cx="12192000" cy="6858000"/>
   <p:notesSz cx="6858000" cy="9144000"/>
@@ -6565,7 +6566,7 @@
           </a:pPr>
           <a:r>
             <a:rPr lang="en-US" dirty="0"/>
-            <a:t>Overall North American sales from 2015 to 2021 YTD, shows there has been steady growth over the years</a:t>
+            <a:t>Overall North American sales from 2015 to 2021 YTD, shows there has been steady growth over the years.</a:t>
           </a:r>
         </a:p>
       </dgm:t>
@@ -7587,7 +7588,7 @@
         <a:lstStyle/>
         <a:p>
           <a:r>
-            <a:rPr lang="en-US"/>
+            <a:rPr lang="en-US" dirty="0"/>
             <a:t>How did COVID affect bicycle tire sales in 2020 and beyond?</a:t>
           </a:r>
         </a:p>
@@ -7623,7 +7624,7 @@
         <a:lstStyle/>
         <a:p>
           <a:r>
-            <a:rPr lang="en-US"/>
+            <a:rPr lang="en-US" dirty="0"/>
             <a:t>Examining all the data and the charts, it is clear that COVID had a large impact on bicycle tire sales. </a:t>
           </a:r>
         </a:p>
@@ -7659,7 +7660,7 @@
         <a:lstStyle/>
         <a:p>
           <a:r>
-            <a:rPr lang="en-US"/>
+            <a:rPr lang="en-US" dirty="0"/>
             <a:t>While sales tended to remain the same through out historical data. In 2020 when covid was at its peak, sales skyrocketed to more than triple of the previous year. </a:t>
           </a:r>
         </a:p>
@@ -9159,7 +9160,7 @@
           </a:pPr>
           <a:r>
             <a:rPr lang="en-US" sz="1400" kern="1200" dirty="0"/>
-            <a:t>Overall North American sales from 2015 to 2021 YTD, shows there has been steady growth over the years</a:t>
+            <a:t>Overall North American sales from 2015 to 2021 YTD, shows there has been steady growth over the years.</a:t>
           </a:r>
         </a:p>
       </dsp:txBody>
@@ -10621,7 +10622,7 @@
             <a:buNone/>
           </a:pPr>
           <a:r>
-            <a:rPr lang="en-US" sz="1500" kern="1200"/>
+            <a:rPr lang="en-US" sz="1500" kern="1200" dirty="0"/>
             <a:t>How did COVID affect bicycle tire sales in 2020 and beyond?</a:t>
           </a:r>
         </a:p>
@@ -10699,7 +10700,7 @@
             <a:buNone/>
           </a:pPr>
           <a:r>
-            <a:rPr lang="en-US" sz="1500" kern="1200"/>
+            <a:rPr lang="en-US" sz="1500" kern="1200" dirty="0"/>
             <a:t>Examining all the data and the charts, it is clear that COVID had a large impact on bicycle tire sales. </a:t>
           </a:r>
         </a:p>
@@ -10777,7 +10778,7 @@
             <a:buNone/>
           </a:pPr>
           <a:r>
-            <a:rPr lang="en-US" sz="1500" kern="1200"/>
+            <a:rPr lang="en-US" sz="1500" kern="1200" dirty="0"/>
             <a:t>While sales tended to remain the same through out historical data. In 2020 when covid was at its peak, sales skyrocketed to more than triple of the previous year. </a:t>
           </a:r>
         </a:p>
@@ -24454,7 +24455,7 @@
         <p:spPr>
           <a:xfrm>
             <a:off x="3204642" y="2353641"/>
-            <a:ext cx="5782716" cy="2150719"/>
+            <a:ext cx="5531686" cy="2150719"/>
           </a:xfrm>
           <a:noFill/>
         </p:spPr>
@@ -24470,7 +24471,37 @@
                   <a:srgbClr val="080808"/>
                 </a:solidFill>
               </a:rPr>
-              <a:t>Bicycle Tire Sale data</a:t>
+              <a:t>Bicycle Tire Sales </a:t>
+            </a:r>
+            <a:br>
+              <a:rPr lang="en-US" sz="3600" dirty="0">
+                <a:solidFill>
+                  <a:srgbClr val="080808"/>
+                </a:solidFill>
+              </a:rPr>
+            </a:br>
+            <a:r>
+              <a:rPr lang="en-US" sz="3600" dirty="0">
+                <a:solidFill>
+                  <a:srgbClr val="080808"/>
+                </a:solidFill>
+              </a:rPr>
+              <a:t>&amp;</a:t>
+            </a:r>
+            <a:br>
+              <a:rPr lang="en-US" sz="3600" dirty="0">
+                <a:solidFill>
+                  <a:srgbClr val="080808"/>
+                </a:solidFill>
+              </a:rPr>
+            </a:br>
+            <a:r>
+              <a:rPr lang="en-US" sz="3600" dirty="0">
+                <a:solidFill>
+                  <a:srgbClr val="080808"/>
+                </a:solidFill>
+              </a:rPr>
+              <a:t>Global Pandemics</a:t>
             </a:r>
           </a:p>
         </p:txBody>
@@ -24669,6 +24700,529 @@
 </file>
 
 <file path=ppt/slides/slide10.xml><?xml version="1.0" encoding="utf-8"?>
+<p:sld xmlns:a="http://schemas.openxmlformats.org/drawingml/2006/main" xmlns:r="http://schemas.openxmlformats.org/officeDocument/2006/relationships" xmlns:p="http://schemas.openxmlformats.org/presentationml/2006/main">
+  <p:cSld>
+    <p:bg>
+      <p:bgPr>
+        <a:solidFill>
+          <a:schemeClr val="bg1"/>
+        </a:solidFill>
+        <a:effectLst/>
+      </p:bgPr>
+    </p:bg>
+    <p:spTree>
+      <p:nvGrpSpPr>
+        <p:cNvPr id="1" name=""/>
+        <p:cNvGrpSpPr/>
+        <p:nvPr/>
+      </p:nvGrpSpPr>
+      <p:grpSpPr>
+        <a:xfrm>
+          <a:off x="0" y="0"/>
+          <a:ext cx="0" cy="0"/>
+          <a:chOff x="0" y="0"/>
+          <a:chExt cx="0" cy="0"/>
+        </a:xfrm>
+      </p:grpSpPr>
+      <p:sp>
+        <p:nvSpPr>
+          <p:cNvPr id="12" name="Rectangle 11">
+            <a:extLst>
+              <a:ext uri="{FF2B5EF4-FFF2-40B4-BE49-F238E27FC236}">
+                <a16:creationId xmlns:a16="http://schemas.microsoft.com/office/drawing/2014/main" id="{2B566528-1B12-4246-9431-5C2D7D081168}"/>
+              </a:ext>
+              <a:ext uri="{C183D7F6-B498-43B3-948B-1728B52AA6E4}">
+                <adec:decorative xmlns:adec="http://schemas.microsoft.com/office/drawing/2017/decorative" val="1"/>
+              </a:ext>
+            </a:extLst>
+          </p:cNvPr>
+          <p:cNvSpPr>
+            <a:spLocks noGrp="1" noRot="1" noChangeAspect="1" noMove="1" noResize="1" noEditPoints="1" noAdjustHandles="1" noChangeArrowheads="1" noChangeShapeType="1" noTextEdit="1"/>
+          </p:cNvSpPr>
+          <p:nvPr>
+            <p:extLst>
+              <p:ext uri="{386F3935-93C4-4BCD-93E2-E3B085C9AB24}">
+                <p16:designElem xmlns:p16="http://schemas.microsoft.com/office/powerpoint/2015/main" val="1"/>
+              </p:ext>
+            </p:extLst>
+          </p:nvPr>
+        </p:nvSpPr>
+        <p:spPr>
+          <a:xfrm>
+            <a:off x="0" y="0"/>
+            <a:ext cx="12192000" cy="6858000"/>
+          </a:xfrm>
+          <a:prstGeom prst="rect">
+            <a:avLst/>
+          </a:prstGeom>
+          <a:solidFill>
+            <a:schemeClr val="bg1"/>
+          </a:solidFill>
+          <a:ln>
+            <a:noFill/>
+          </a:ln>
+        </p:spPr>
+        <p:style>
+          <a:lnRef idx="2">
+            <a:schemeClr val="accent1">
+              <a:shade val="50000"/>
+            </a:schemeClr>
+          </a:lnRef>
+          <a:fillRef idx="1">
+            <a:schemeClr val="accent1"/>
+          </a:fillRef>
+          <a:effectRef idx="0">
+            <a:schemeClr val="accent1"/>
+          </a:effectRef>
+          <a:fontRef idx="minor">
+            <a:schemeClr val="lt1"/>
+          </a:fontRef>
+        </p:style>
+        <p:txBody>
+          <a:bodyPr rtlCol="0" anchor="ctr"/>
+          <a:lstStyle/>
+          <a:p>
+            <a:pPr algn="ctr"/>
+            <a:endParaRPr lang="en-US" dirty="0"/>
+          </a:p>
+        </p:txBody>
+      </p:sp>
+      <p:sp>
+        <p:nvSpPr>
+          <p:cNvPr id="2" name="Title 1">
+            <a:extLst>
+              <a:ext uri="{FF2B5EF4-FFF2-40B4-BE49-F238E27FC236}">
+                <a16:creationId xmlns:a16="http://schemas.microsoft.com/office/drawing/2014/main" id="{E0813171-22F2-472A-8184-5FB564EDBD9B}"/>
+              </a:ext>
+            </a:extLst>
+          </p:cNvPr>
+          <p:cNvSpPr>
+            <a:spLocks noGrp="1"/>
+          </p:cNvSpPr>
+          <p:nvPr>
+            <p:ph type="title"/>
+          </p:nvPr>
+        </p:nvSpPr>
+        <p:spPr>
+          <a:xfrm>
+            <a:off x="643467" y="321734"/>
+            <a:ext cx="10905066" cy="1135737"/>
+          </a:xfrm>
+        </p:spPr>
+        <p:txBody>
+          <a:bodyPr>
+            <a:normAutofit/>
+          </a:bodyPr>
+          <a:lstStyle/>
+          <a:p>
+            <a:r>
+              <a:rPr lang="en-US" sz="3600" dirty="0"/>
+              <a:t>Tire Sizes</a:t>
+            </a:r>
+          </a:p>
+        </p:txBody>
+      </p:sp>
+      <p:graphicFrame>
+        <p:nvGraphicFramePr>
+          <p:cNvPr id="22" name="Content Placeholder 2">
+            <a:extLst>
+              <a:ext uri="{FF2B5EF4-FFF2-40B4-BE49-F238E27FC236}">
+                <a16:creationId xmlns:a16="http://schemas.microsoft.com/office/drawing/2014/main" id="{8B7FA02E-E380-42D4-99AC-7751B9C58F2D}"/>
+              </a:ext>
+            </a:extLst>
+          </p:cNvPr>
+          <p:cNvGraphicFramePr>
+            <a:graphicFrameLocks noGrp="1"/>
+          </p:cNvGraphicFramePr>
+          <p:nvPr>
+            <p:ph idx="1"/>
+            <p:extLst>
+              <p:ext uri="{D42A27DB-BD31-4B8C-83A1-F6EECF244321}">
+                <p14:modId xmlns:p14="http://schemas.microsoft.com/office/powerpoint/2010/main" val="1778811204"/>
+              </p:ext>
+            </p:extLst>
+          </p:nvPr>
+        </p:nvGraphicFramePr>
+        <p:xfrm>
+          <a:off x="188536" y="1403763"/>
+          <a:ext cx="4674958" cy="5049878"/>
+        </p:xfrm>
+        <a:graphic>
+          <a:graphicData uri="http://schemas.openxmlformats.org/drawingml/2006/diagram">
+            <dgm:relIds xmlns:dgm="http://schemas.openxmlformats.org/drawingml/2006/diagram" xmlns:r="http://schemas.openxmlformats.org/officeDocument/2006/relationships" r:dm="rId2" r:lo="rId3" r:qs="rId4" r:cs="rId5"/>
+          </a:graphicData>
+        </a:graphic>
+      </p:graphicFrame>
+      <p:grpSp>
+        <p:nvGrpSpPr>
+          <p:cNvPr id="14" name="Group 13">
+            <a:extLst>
+              <a:ext uri="{FF2B5EF4-FFF2-40B4-BE49-F238E27FC236}">
+                <a16:creationId xmlns:a16="http://schemas.microsoft.com/office/drawing/2014/main" id="{828A5161-06F1-46CF-8AD7-844680A59E13}"/>
+              </a:ext>
+              <a:ext uri="{C183D7F6-B498-43B3-948B-1728B52AA6E4}">
+                <adec:decorative xmlns:adec="http://schemas.microsoft.com/office/drawing/2017/decorative" val="1"/>
+              </a:ext>
+            </a:extLst>
+          </p:cNvPr>
+          <p:cNvGrpSpPr>
+            <a:grpSpLocks noGrp="1" noUngrp="1" noRot="1" noChangeAspect="1" noMove="1" noResize="1"/>
+          </p:cNvGrpSpPr>
+          <p:nvPr>
+            <p:extLst>
+              <p:ext uri="{386F3935-93C4-4BCD-93E2-E3B085C9AB24}">
+                <p16:designElem xmlns:p16="http://schemas.microsoft.com/office/powerpoint/2015/main" val="1"/>
+              </p:ext>
+            </p:extLst>
+          </p:nvPr>
+        </p:nvGrpSpPr>
+        <p:grpSpPr>
+          <a:xfrm>
+            <a:off x="0" y="4601497"/>
+            <a:ext cx="1014060" cy="2017580"/>
+            <a:chOff x="0" y="4601497"/>
+            <a:chExt cx="1014060" cy="2017580"/>
+          </a:xfrm>
+        </p:grpSpPr>
+        <p:sp>
+          <p:nvSpPr>
+            <p:cNvPr id="15" name="Isosceles Triangle 14">
+              <a:extLst>
+                <a:ext uri="{FF2B5EF4-FFF2-40B4-BE49-F238E27FC236}">
+                  <a16:creationId xmlns:a16="http://schemas.microsoft.com/office/drawing/2014/main" id="{D3F51FEB-38FB-4F6C-9F7B-2F2AFAB65463}"/>
+                </a:ext>
+                <a:ext uri="{C183D7F6-B498-43B3-948B-1728B52AA6E4}">
+                  <adec:decorative xmlns:adec="http://schemas.microsoft.com/office/drawing/2017/decorative" val="1"/>
+                </a:ext>
+              </a:extLst>
+            </p:cNvPr>
+            <p:cNvSpPr/>
+            <p:nvPr>
+              <p:extLst>
+                <p:ext uri="{386F3935-93C4-4BCD-93E2-E3B085C9AB24}">
+                  <p16:designElem xmlns:p16="http://schemas.microsoft.com/office/powerpoint/2015/main" val="1"/>
+                </p:ext>
+              </p:extLst>
+            </p:nvPr>
+          </p:nvSpPr>
+          <p:spPr>
+            <a:xfrm rot="5400000">
+              <a:off x="-501760" y="5103257"/>
+              <a:ext cx="2017580" cy="1014060"/>
+            </a:xfrm>
+            <a:prstGeom prst="triangle">
+              <a:avLst>
+                <a:gd name="adj" fmla="val 50000"/>
+              </a:avLst>
+            </a:prstGeom>
+            <a:solidFill>
+              <a:schemeClr val="accent1">
+                <a:alpha val="30000"/>
+              </a:schemeClr>
+            </a:solidFill>
+            <a:ln>
+              <a:noFill/>
+            </a:ln>
+          </p:spPr>
+          <p:style>
+            <a:lnRef idx="2">
+              <a:schemeClr val="accent1">
+                <a:shade val="50000"/>
+              </a:schemeClr>
+            </a:lnRef>
+            <a:fillRef idx="1">
+              <a:schemeClr val="accent1"/>
+            </a:fillRef>
+            <a:effectRef idx="0">
+              <a:schemeClr val="accent1"/>
+            </a:effectRef>
+            <a:fontRef idx="minor">
+              <a:schemeClr val="lt1"/>
+            </a:fontRef>
+          </p:style>
+          <p:txBody>
+            <a:bodyPr rtlCol="0" anchor="ctr"/>
+            <a:lstStyle/>
+            <a:p>
+              <a:pPr algn="ctr"/>
+              <a:endParaRPr lang="en-US"/>
+            </a:p>
+          </p:txBody>
+        </p:sp>
+        <p:sp>
+          <p:nvSpPr>
+            <p:cNvPr id="16" name="Rectangle 15">
+              <a:extLst>
+                <a:ext uri="{FF2B5EF4-FFF2-40B4-BE49-F238E27FC236}">
+                  <a16:creationId xmlns:a16="http://schemas.microsoft.com/office/drawing/2014/main" id="{1E547BA6-BAE0-43BB-A7CA-60F69CE252F0}"/>
+                </a:ext>
+                <a:ext uri="{C183D7F6-B498-43B3-948B-1728B52AA6E4}">
+                  <adec:decorative xmlns:adec="http://schemas.microsoft.com/office/drawing/2017/decorative" val="1"/>
+                </a:ext>
+              </a:extLst>
+            </p:cNvPr>
+            <p:cNvSpPr/>
+            <p:nvPr>
+              <p:extLst>
+                <p:ext uri="{386F3935-93C4-4BCD-93E2-E3B085C9AB24}">
+                  <p16:designElem xmlns:p16="http://schemas.microsoft.com/office/powerpoint/2015/main" val="1"/>
+                </p:ext>
+              </p:extLst>
+            </p:nvPr>
+          </p:nvSpPr>
+          <p:spPr>
+            <a:xfrm rot="2700000">
+              <a:off x="427916" y="5728708"/>
+              <a:ext cx="485578" cy="485578"/>
+            </a:xfrm>
+            <a:prstGeom prst="rect">
+              <a:avLst/>
+            </a:prstGeom>
+            <a:solidFill>
+              <a:schemeClr val="accent1">
+                <a:alpha val="30000"/>
+              </a:schemeClr>
+            </a:solidFill>
+            <a:ln>
+              <a:noFill/>
+            </a:ln>
+          </p:spPr>
+          <p:style>
+            <a:lnRef idx="2">
+              <a:schemeClr val="accent1">
+                <a:shade val="50000"/>
+              </a:schemeClr>
+            </a:lnRef>
+            <a:fillRef idx="1">
+              <a:schemeClr val="accent1"/>
+            </a:fillRef>
+            <a:effectRef idx="0">
+              <a:schemeClr val="accent1"/>
+            </a:effectRef>
+            <a:fontRef idx="minor">
+              <a:schemeClr val="lt1"/>
+            </a:fontRef>
+          </p:style>
+          <p:txBody>
+            <a:bodyPr rtlCol="0" anchor="ctr"/>
+            <a:lstStyle/>
+            <a:p>
+              <a:pPr algn="ctr"/>
+              <a:endParaRPr lang="en-US"/>
+            </a:p>
+          </p:txBody>
+        </p:sp>
+      </p:grpSp>
+      <p:pic>
+        <p:nvPicPr>
+          <p:cNvPr id="7" name="Picture 6">
+            <a:extLst>
+              <a:ext uri="{FF2B5EF4-FFF2-40B4-BE49-F238E27FC236}">
+                <a16:creationId xmlns:a16="http://schemas.microsoft.com/office/drawing/2014/main" id="{D1565E79-2731-4D47-B3EC-0A9E39D76BF3}"/>
+              </a:ext>
+            </a:extLst>
+          </p:cNvPr>
+          <p:cNvPicPr>
+            <a:picLocks noChangeAspect="1"/>
+          </p:cNvPicPr>
+          <p:nvPr/>
+        </p:nvPicPr>
+        <p:blipFill>
+          <a:blip r:embed="rId7">
+            <a:extLst>
+              <a:ext uri="{28A0092B-C50C-407E-A947-70E740481C1C}">
+                <a14:useLocalDpi xmlns:a14="http://schemas.microsoft.com/office/drawing/2010/main" val="0"/>
+              </a:ext>
+            </a:extLst>
+          </a:blip>
+          <a:stretch>
+            <a:fillRect/>
+          </a:stretch>
+        </p:blipFill>
+        <p:spPr>
+          <a:xfrm>
+            <a:off x="5138827" y="1134135"/>
+            <a:ext cx="7536758" cy="4837362"/>
+          </a:xfrm>
+          <a:prstGeom prst="rect">
+            <a:avLst/>
+          </a:prstGeom>
+        </p:spPr>
+      </p:pic>
+      <p:grpSp>
+        <p:nvGrpSpPr>
+          <p:cNvPr id="18" name="Group 17">
+            <a:extLst>
+              <a:ext uri="{FF2B5EF4-FFF2-40B4-BE49-F238E27FC236}">
+                <a16:creationId xmlns:a16="http://schemas.microsoft.com/office/drawing/2014/main" id="{5995D10D-E9C9-47DB-AE7E-801FEF38F5C9}"/>
+              </a:ext>
+              <a:ext uri="{C183D7F6-B498-43B3-948B-1728B52AA6E4}">
+                <adec:decorative xmlns:adec="http://schemas.microsoft.com/office/drawing/2017/decorative" val="1"/>
+              </a:ext>
+            </a:extLst>
+          </p:cNvPr>
+          <p:cNvGrpSpPr>
+            <a:grpSpLocks noGrp="1" noUngrp="1" noRot="1" noChangeAspect="1" noMove="1" noResize="1"/>
+          </p:cNvGrpSpPr>
+          <p:nvPr>
+            <p:extLst>
+              <p:ext uri="{386F3935-93C4-4BCD-93E2-E3B085C9AB24}">
+                <p16:designElem xmlns:p16="http://schemas.microsoft.com/office/powerpoint/2015/main" val="1"/>
+              </p:ext>
+            </p:extLst>
+          </p:nvPr>
+        </p:nvGrpSpPr>
+        <p:grpSpPr>
+          <a:xfrm>
+            <a:off x="11219290" y="1"/>
+            <a:ext cx="972709" cy="1935307"/>
+            <a:chOff x="10918968" y="713127"/>
+            <a:chExt cx="1273032" cy="2532832"/>
+          </a:xfrm>
+        </p:grpSpPr>
+        <p:sp>
+          <p:nvSpPr>
+            <p:cNvPr id="19" name="Rectangle 18">
+              <a:extLst>
+                <a:ext uri="{FF2B5EF4-FFF2-40B4-BE49-F238E27FC236}">
+                  <a16:creationId xmlns:a16="http://schemas.microsoft.com/office/drawing/2014/main" id="{CC1A72C6-3DE4-4EC3-9AD5-9E0D40D8CE8A}"/>
+                </a:ext>
+                <a:ext uri="{C183D7F6-B498-43B3-948B-1728B52AA6E4}">
+                  <adec:decorative xmlns:adec="http://schemas.microsoft.com/office/drawing/2017/decorative" val="1"/>
+                </a:ext>
+              </a:extLst>
+            </p:cNvPr>
+            <p:cNvSpPr/>
+            <p:nvPr>
+              <p:extLst>
+                <p:ext uri="{386F3935-93C4-4BCD-93E2-E3B085C9AB24}">
+                  <p16:designElem xmlns:p16="http://schemas.microsoft.com/office/powerpoint/2015/main" val="1"/>
+                </p:ext>
+              </p:extLst>
+            </p:nvPr>
+          </p:nvSpPr>
+          <p:spPr>
+            <a:xfrm rot="2700000">
+              <a:off x="11052629" y="2120024"/>
+              <a:ext cx="645368" cy="645368"/>
+            </a:xfrm>
+            <a:prstGeom prst="rect">
+              <a:avLst/>
+            </a:prstGeom>
+            <a:solidFill>
+              <a:schemeClr val="accent4">
+                <a:alpha val="30000"/>
+              </a:schemeClr>
+            </a:solidFill>
+            <a:ln>
+              <a:noFill/>
+            </a:ln>
+          </p:spPr>
+          <p:style>
+            <a:lnRef idx="2">
+              <a:schemeClr val="accent1">
+                <a:shade val="50000"/>
+              </a:schemeClr>
+            </a:lnRef>
+            <a:fillRef idx="1">
+              <a:schemeClr val="accent1"/>
+            </a:fillRef>
+            <a:effectRef idx="0">
+              <a:schemeClr val="accent1"/>
+            </a:effectRef>
+            <a:fontRef idx="minor">
+              <a:schemeClr val="lt1"/>
+            </a:fontRef>
+          </p:style>
+          <p:txBody>
+            <a:bodyPr rtlCol="0" anchor="ctr"/>
+            <a:lstStyle/>
+            <a:p>
+              <a:pPr algn="ctr"/>
+              <a:endParaRPr lang="en-US"/>
+            </a:p>
+          </p:txBody>
+        </p:sp>
+        <p:sp>
+          <p:nvSpPr>
+            <p:cNvPr id="20" name="Isosceles Triangle 19">
+              <a:extLst>
+                <a:ext uri="{FF2B5EF4-FFF2-40B4-BE49-F238E27FC236}">
+                  <a16:creationId xmlns:a16="http://schemas.microsoft.com/office/drawing/2014/main" id="{0B0DA1F1-C391-4EDF-9FE0-23E86E137765}"/>
+                </a:ext>
+                <a:ext uri="{C183D7F6-B498-43B3-948B-1728B52AA6E4}">
+                  <adec:decorative xmlns:adec="http://schemas.microsoft.com/office/drawing/2017/decorative" val="1"/>
+                </a:ext>
+              </a:extLst>
+            </p:cNvPr>
+            <p:cNvSpPr/>
+            <p:nvPr>
+              <p:extLst>
+                <p:ext uri="{386F3935-93C4-4BCD-93E2-E3B085C9AB24}">
+                  <p16:designElem xmlns:p16="http://schemas.microsoft.com/office/powerpoint/2015/main" val="1"/>
+                </p:ext>
+              </p:extLst>
+            </p:nvPr>
+          </p:nvSpPr>
+          <p:spPr>
+            <a:xfrm rot="16200000">
+              <a:off x="10289068" y="1343027"/>
+              <a:ext cx="2532832" cy="1273032"/>
+            </a:xfrm>
+            <a:prstGeom prst="triangle">
+              <a:avLst>
+                <a:gd name="adj" fmla="val 50000"/>
+              </a:avLst>
+            </a:prstGeom>
+            <a:solidFill>
+              <a:schemeClr val="accent4">
+                <a:alpha val="30000"/>
+              </a:schemeClr>
+            </a:solidFill>
+            <a:ln>
+              <a:noFill/>
+            </a:ln>
+          </p:spPr>
+          <p:style>
+            <a:lnRef idx="2">
+              <a:schemeClr val="accent1">
+                <a:shade val="50000"/>
+              </a:schemeClr>
+            </a:lnRef>
+            <a:fillRef idx="1">
+              <a:schemeClr val="accent1"/>
+            </a:fillRef>
+            <a:effectRef idx="0">
+              <a:schemeClr val="accent1"/>
+            </a:effectRef>
+            <a:fontRef idx="minor">
+              <a:schemeClr val="lt1"/>
+            </a:fontRef>
+          </p:style>
+          <p:txBody>
+            <a:bodyPr rtlCol="0" anchor="ctr"/>
+            <a:lstStyle/>
+            <a:p>
+              <a:pPr algn="ctr"/>
+              <a:endParaRPr lang="en-US" dirty="0"/>
+            </a:p>
+          </p:txBody>
+        </p:sp>
+      </p:grpSp>
+    </p:spTree>
+    <p:extLst>
+      <p:ext uri="{BB962C8B-B14F-4D97-AF65-F5344CB8AC3E}">
+        <p14:creationId xmlns:p14="http://schemas.microsoft.com/office/powerpoint/2010/main" val="2068061770"/>
+      </p:ext>
+    </p:extLst>
+  </p:cSld>
+  <p:clrMapOvr>
+    <a:masterClrMapping/>
+  </p:clrMapOvr>
+</p:sld>
+</file>
+
+<file path=ppt/slides/slide11.xml><?xml version="1.0" encoding="utf-8"?>
 <p:sld xmlns:a="http://schemas.openxmlformats.org/drawingml/2006/main" xmlns:r="http://schemas.openxmlformats.org/officeDocument/2006/relationships" xmlns:p="http://schemas.openxmlformats.org/presentationml/2006/main">
   <p:cSld>
     <p:bg>
@@ -27229,7 +27783,7 @@
 </p:sld>
 </file>
 
-<file path=ppt/slides/slide11.xml><?xml version="1.0" encoding="utf-8"?>
+<file path=ppt/slides/slide12.xml><?xml version="1.0" encoding="utf-8"?>
 <p:sld xmlns:a="http://schemas.openxmlformats.org/drawingml/2006/main" xmlns:r="http://schemas.openxmlformats.org/officeDocument/2006/relationships" xmlns:p="http://schemas.openxmlformats.org/presentationml/2006/main">
   <p:cSld>
     <p:bg>
@@ -27885,7 +28439,7 @@
 </p:sld>
 </file>
 
-<file path=ppt/slides/slide12.xml><?xml version="1.0" encoding="utf-8"?>
+<file path=ppt/slides/slide13.xml><?xml version="1.0" encoding="utf-8"?>
 <p:sld xmlns:a="http://schemas.openxmlformats.org/drawingml/2006/main" xmlns:r="http://schemas.openxmlformats.org/officeDocument/2006/relationships" xmlns:p="http://schemas.openxmlformats.org/presentationml/2006/main">
   <p:cSld>
     <p:bg>
@@ -29927,6 +30481,520 @@
                 <a:latin typeface="Calibri" panose="020F0502020204030204" pitchFamily="34" charset="0"/>
                 <a:cs typeface="Calibri" panose="020F0502020204030204" pitchFamily="34" charset="0"/>
               </a:rPr>
+              <a:t>A quick glance at Sales volume over the past 7 years</a:t>
+            </a:r>
+            <a:br>
+              <a:rPr lang="en-US" sz="2500" b="0" dirty="0">
+                <a:effectLst/>
+                <a:latin typeface="Consolas" panose="020B0609020204030204" pitchFamily="49" charset="0"/>
+              </a:rPr>
+            </a:br>
+            <a:endParaRPr lang="en-US" sz="2500" dirty="0"/>
+          </a:p>
+        </p:txBody>
+      </p:sp>
+      <p:grpSp>
+        <p:nvGrpSpPr>
+          <p:cNvPr id="23" name="Group 22">
+            <a:extLst>
+              <a:ext uri="{FF2B5EF4-FFF2-40B4-BE49-F238E27FC236}">
+                <a16:creationId xmlns:a16="http://schemas.microsoft.com/office/drawing/2014/main" id="{3EA7D759-6BEF-4CBD-A325-BCFA77832B3F}"/>
+              </a:ext>
+              <a:ext uri="{C183D7F6-B498-43B3-948B-1728B52AA6E4}">
+                <adec:decorative xmlns:adec="http://schemas.microsoft.com/office/drawing/2017/decorative" val="1"/>
+              </a:ext>
+            </a:extLst>
+          </p:cNvPr>
+          <p:cNvGrpSpPr>
+            <a:grpSpLocks noGrp="1" noUngrp="1" noRot="1" noChangeAspect="1" noMove="1" noResize="1"/>
+          </p:cNvGrpSpPr>
+          <p:nvPr>
+            <p:extLst>
+              <p:ext uri="{386F3935-93C4-4BCD-93E2-E3B085C9AB24}">
+                <p16:designElem xmlns:p16="http://schemas.microsoft.com/office/powerpoint/2015/main" val="1"/>
+              </p:ext>
+            </p:extLst>
+          </p:nvPr>
+        </p:nvGrpSpPr>
+        <p:grpSpPr>
+          <a:xfrm>
+            <a:off x="11177940" y="4601497"/>
+            <a:ext cx="1014060" cy="2017580"/>
+            <a:chOff x="11177940" y="4601497"/>
+            <a:chExt cx="1014060" cy="2017580"/>
+          </a:xfrm>
+        </p:grpSpPr>
+        <p:sp>
+          <p:nvSpPr>
+            <p:cNvPr id="24" name="Isosceles Triangle 23">
+              <a:extLst>
+                <a:ext uri="{FF2B5EF4-FFF2-40B4-BE49-F238E27FC236}">
+                  <a16:creationId xmlns:a16="http://schemas.microsoft.com/office/drawing/2014/main" id="{317405EC-53E3-473A-8B42-B9475D057B66}"/>
+                </a:ext>
+                <a:ext uri="{C183D7F6-B498-43B3-948B-1728B52AA6E4}">
+                  <adec:decorative xmlns:adec="http://schemas.microsoft.com/office/drawing/2017/decorative" val="1"/>
+                </a:ext>
+              </a:extLst>
+            </p:cNvPr>
+            <p:cNvSpPr/>
+            <p:nvPr>
+              <p:extLst>
+                <p:ext uri="{386F3935-93C4-4BCD-93E2-E3B085C9AB24}">
+                  <p16:designElem xmlns:p16="http://schemas.microsoft.com/office/powerpoint/2015/main" val="1"/>
+                </p:ext>
+              </p:extLst>
+            </p:nvPr>
+          </p:nvSpPr>
+          <p:spPr>
+            <a:xfrm rot="16200000" flipH="1">
+              <a:off x="10676180" y="5103257"/>
+              <a:ext cx="2017580" cy="1014060"/>
+            </a:xfrm>
+            <a:prstGeom prst="triangle">
+              <a:avLst>
+                <a:gd name="adj" fmla="val 50000"/>
+              </a:avLst>
+            </a:prstGeom>
+            <a:solidFill>
+              <a:schemeClr val="accent1">
+                <a:alpha val="30000"/>
+              </a:schemeClr>
+            </a:solidFill>
+            <a:ln>
+              <a:noFill/>
+            </a:ln>
+          </p:spPr>
+          <p:style>
+            <a:lnRef idx="2">
+              <a:schemeClr val="accent1">
+                <a:shade val="50000"/>
+              </a:schemeClr>
+            </a:lnRef>
+            <a:fillRef idx="1">
+              <a:schemeClr val="accent1"/>
+            </a:fillRef>
+            <a:effectRef idx="0">
+              <a:schemeClr val="accent1"/>
+            </a:effectRef>
+            <a:fontRef idx="minor">
+              <a:schemeClr val="lt1"/>
+            </a:fontRef>
+          </p:style>
+          <p:txBody>
+            <a:bodyPr rtlCol="0" anchor="ctr"/>
+            <a:lstStyle/>
+            <a:p>
+              <a:pPr algn="ctr"/>
+              <a:endParaRPr lang="en-US"/>
+            </a:p>
+          </p:txBody>
+        </p:sp>
+        <p:sp>
+          <p:nvSpPr>
+            <p:cNvPr id="25" name="Rectangle 24">
+              <a:extLst>
+                <a:ext uri="{FF2B5EF4-FFF2-40B4-BE49-F238E27FC236}">
+                  <a16:creationId xmlns:a16="http://schemas.microsoft.com/office/drawing/2014/main" id="{C03F2370-11B5-4E16-8AE5-B4854408B401}"/>
+                </a:ext>
+                <a:ext uri="{C183D7F6-B498-43B3-948B-1728B52AA6E4}">
+                  <adec:decorative xmlns:adec="http://schemas.microsoft.com/office/drawing/2017/decorative" val="1"/>
+                </a:ext>
+              </a:extLst>
+            </p:cNvPr>
+            <p:cNvSpPr/>
+            <p:nvPr>
+              <p:extLst>
+                <p:ext uri="{386F3935-93C4-4BCD-93E2-E3B085C9AB24}">
+                  <p16:designElem xmlns:p16="http://schemas.microsoft.com/office/powerpoint/2015/main" val="1"/>
+                </p:ext>
+              </p:extLst>
+            </p:nvPr>
+          </p:nvSpPr>
+          <p:spPr>
+            <a:xfrm rot="2700000">
+              <a:off x="11278506" y="5728708"/>
+              <a:ext cx="485578" cy="485578"/>
+            </a:xfrm>
+            <a:prstGeom prst="rect">
+              <a:avLst/>
+            </a:prstGeom>
+            <a:solidFill>
+              <a:schemeClr val="accent1">
+                <a:alpha val="30000"/>
+              </a:schemeClr>
+            </a:solidFill>
+            <a:ln>
+              <a:noFill/>
+            </a:ln>
+          </p:spPr>
+          <p:style>
+            <a:lnRef idx="2">
+              <a:schemeClr val="accent1">
+                <a:shade val="50000"/>
+              </a:schemeClr>
+            </a:lnRef>
+            <a:fillRef idx="1">
+              <a:schemeClr val="accent1"/>
+            </a:fillRef>
+            <a:effectRef idx="0">
+              <a:schemeClr val="accent1"/>
+            </a:effectRef>
+            <a:fontRef idx="minor">
+              <a:schemeClr val="lt1"/>
+            </a:fontRef>
+          </p:style>
+          <p:txBody>
+            <a:bodyPr rtlCol="0" anchor="ctr"/>
+            <a:lstStyle/>
+            <a:p>
+              <a:pPr algn="ctr"/>
+              <a:endParaRPr lang="en-US"/>
+            </a:p>
+          </p:txBody>
+        </p:sp>
+      </p:grpSp>
+      <p:pic>
+        <p:nvPicPr>
+          <p:cNvPr id="5122" name="Picture 2">
+            <a:extLst>
+              <a:ext uri="{FF2B5EF4-FFF2-40B4-BE49-F238E27FC236}">
+                <a16:creationId xmlns:a16="http://schemas.microsoft.com/office/drawing/2014/main" id="{0DA11989-369D-4396-8DD6-D44013F067D5}"/>
+              </a:ext>
+            </a:extLst>
+          </p:cNvPr>
+          <p:cNvPicPr>
+            <a:picLocks noChangeAspect="1" noChangeArrowheads="1"/>
+          </p:cNvPicPr>
+          <p:nvPr/>
+        </p:nvPicPr>
+        <p:blipFill>
+          <a:blip r:embed="rId2">
+            <a:extLst>
+              <a:ext uri="{28A0092B-C50C-407E-A947-70E740481C1C}">
+                <a14:useLocalDpi xmlns:a14="http://schemas.microsoft.com/office/drawing/2010/main" val="0"/>
+              </a:ext>
+            </a:extLst>
+          </a:blip>
+          <a:srcRect/>
+          <a:stretch>
+            <a:fillRect/>
+          </a:stretch>
+        </p:blipFill>
+        <p:spPr bwMode="auto">
+          <a:xfrm>
+            <a:off x="3451860" y="1935308"/>
+            <a:ext cx="5225626" cy="3613742"/>
+          </a:xfrm>
+          <a:prstGeom prst="rect">
+            <a:avLst/>
+          </a:prstGeom>
+          <a:noFill/>
+          <a:extLst>
+            <a:ext uri="{909E8E84-426E-40DD-AFC4-6F175D3DCCD1}">
+              <a14:hiddenFill xmlns:a14="http://schemas.microsoft.com/office/drawing/2010/main">
+                <a:solidFill>
+                  <a:srgbClr val="FFFFFF"/>
+                </a:solidFill>
+              </a14:hiddenFill>
+            </a:ext>
+          </a:extLst>
+        </p:spPr>
+      </p:pic>
+    </p:spTree>
+    <p:extLst>
+      <p:ext uri="{BB962C8B-B14F-4D97-AF65-F5344CB8AC3E}">
+        <p14:creationId xmlns:p14="http://schemas.microsoft.com/office/powerpoint/2010/main" val="997604600"/>
+      </p:ext>
+    </p:extLst>
+  </p:cSld>
+  <p:clrMapOvr>
+    <a:masterClrMapping/>
+  </p:clrMapOvr>
+</p:sld>
+</file>
+
+<file path=ppt/slides/slide6.xml><?xml version="1.0" encoding="utf-8"?>
+<p:sld xmlns:a="http://schemas.openxmlformats.org/drawingml/2006/main" xmlns:r="http://schemas.openxmlformats.org/officeDocument/2006/relationships" xmlns:p="http://schemas.openxmlformats.org/presentationml/2006/main">
+  <p:cSld>
+    <p:bg>
+      <p:bgPr>
+        <a:solidFill>
+          <a:schemeClr val="bg1"/>
+        </a:solidFill>
+        <a:effectLst/>
+      </p:bgPr>
+    </p:bg>
+    <p:spTree>
+      <p:nvGrpSpPr>
+        <p:cNvPr id="1" name=""/>
+        <p:cNvGrpSpPr/>
+        <p:nvPr/>
+      </p:nvGrpSpPr>
+      <p:grpSpPr>
+        <a:xfrm>
+          <a:off x="0" y="0"/>
+          <a:ext cx="0" cy="0"/>
+          <a:chOff x="0" y="0"/>
+          <a:chExt cx="0" cy="0"/>
+        </a:xfrm>
+      </p:grpSpPr>
+      <p:sp>
+        <p:nvSpPr>
+          <p:cNvPr id="17" name="Rectangle 16">
+            <a:extLst>
+              <a:ext uri="{FF2B5EF4-FFF2-40B4-BE49-F238E27FC236}">
+                <a16:creationId xmlns:a16="http://schemas.microsoft.com/office/drawing/2014/main" id="{2B566528-1B12-4246-9431-5C2D7D081168}"/>
+              </a:ext>
+              <a:ext uri="{C183D7F6-B498-43B3-948B-1728B52AA6E4}">
+                <adec:decorative xmlns:adec="http://schemas.microsoft.com/office/drawing/2017/decorative" val="1"/>
+              </a:ext>
+            </a:extLst>
+          </p:cNvPr>
+          <p:cNvSpPr>
+            <a:spLocks noGrp="1" noRot="1" noChangeAspect="1" noMove="1" noResize="1" noEditPoints="1" noAdjustHandles="1" noChangeArrowheads="1" noChangeShapeType="1" noTextEdit="1"/>
+          </p:cNvSpPr>
+          <p:nvPr>
+            <p:extLst>
+              <p:ext uri="{386F3935-93C4-4BCD-93E2-E3B085C9AB24}">
+                <p16:designElem xmlns:p16="http://schemas.microsoft.com/office/powerpoint/2015/main" val="1"/>
+              </p:ext>
+            </p:extLst>
+          </p:nvPr>
+        </p:nvSpPr>
+        <p:spPr>
+          <a:xfrm>
+            <a:off x="0" y="0"/>
+            <a:ext cx="12192000" cy="6858000"/>
+          </a:xfrm>
+          <a:prstGeom prst="rect">
+            <a:avLst/>
+          </a:prstGeom>
+          <a:solidFill>
+            <a:schemeClr val="bg1"/>
+          </a:solidFill>
+          <a:ln>
+            <a:noFill/>
+          </a:ln>
+        </p:spPr>
+        <p:style>
+          <a:lnRef idx="2">
+            <a:schemeClr val="accent1">
+              <a:shade val="50000"/>
+            </a:schemeClr>
+          </a:lnRef>
+          <a:fillRef idx="1">
+            <a:schemeClr val="accent1"/>
+          </a:fillRef>
+          <a:effectRef idx="0">
+            <a:schemeClr val="accent1"/>
+          </a:effectRef>
+          <a:fontRef idx="minor">
+            <a:schemeClr val="lt1"/>
+          </a:fontRef>
+        </p:style>
+        <p:txBody>
+          <a:bodyPr rtlCol="0" anchor="ctr"/>
+          <a:lstStyle/>
+          <a:p>
+            <a:pPr algn="ctr"/>
+            <a:endParaRPr lang="en-US" dirty="0"/>
+          </a:p>
+        </p:txBody>
+      </p:sp>
+      <p:grpSp>
+        <p:nvGrpSpPr>
+          <p:cNvPr id="19" name="Group 18">
+            <a:extLst>
+              <a:ext uri="{FF2B5EF4-FFF2-40B4-BE49-F238E27FC236}">
+                <a16:creationId xmlns:a16="http://schemas.microsoft.com/office/drawing/2014/main" id="{287F69AB-2350-44E3-9076-00265B93F313}"/>
+              </a:ext>
+              <a:ext uri="{C183D7F6-B498-43B3-948B-1728B52AA6E4}">
+                <adec:decorative xmlns:adec="http://schemas.microsoft.com/office/drawing/2017/decorative" val="1"/>
+              </a:ext>
+            </a:extLst>
+          </p:cNvPr>
+          <p:cNvGrpSpPr>
+            <a:grpSpLocks noGrp="1" noUngrp="1" noRot="1" noChangeAspect="1" noMove="1" noResize="1"/>
+          </p:cNvGrpSpPr>
+          <p:nvPr>
+            <p:extLst>
+              <p:ext uri="{386F3935-93C4-4BCD-93E2-E3B085C9AB24}">
+                <p16:designElem xmlns:p16="http://schemas.microsoft.com/office/powerpoint/2015/main" val="1"/>
+              </p:ext>
+            </p:extLst>
+          </p:nvPr>
+        </p:nvGrpSpPr>
+        <p:grpSpPr>
+          <a:xfrm flipH="1">
+            <a:off x="0" y="1"/>
+            <a:ext cx="972709" cy="1935307"/>
+            <a:chOff x="10918968" y="713127"/>
+            <a:chExt cx="1273032" cy="2532832"/>
+          </a:xfrm>
+        </p:grpSpPr>
+        <p:sp>
+          <p:nvSpPr>
+            <p:cNvPr id="20" name="Rectangle 19">
+              <a:extLst>
+                <a:ext uri="{FF2B5EF4-FFF2-40B4-BE49-F238E27FC236}">
+                  <a16:creationId xmlns:a16="http://schemas.microsoft.com/office/drawing/2014/main" id="{D70652AA-1C81-481C-856B-90371437540F}"/>
+                </a:ext>
+                <a:ext uri="{C183D7F6-B498-43B3-948B-1728B52AA6E4}">
+                  <adec:decorative xmlns:adec="http://schemas.microsoft.com/office/drawing/2017/decorative" val="1"/>
+                </a:ext>
+              </a:extLst>
+            </p:cNvPr>
+            <p:cNvSpPr/>
+            <p:nvPr>
+              <p:extLst>
+                <p:ext uri="{386F3935-93C4-4BCD-93E2-E3B085C9AB24}">
+                  <p16:designElem xmlns:p16="http://schemas.microsoft.com/office/powerpoint/2015/main" val="1"/>
+                </p:ext>
+              </p:extLst>
+            </p:nvPr>
+          </p:nvSpPr>
+          <p:spPr>
+            <a:xfrm rot="2700000">
+              <a:off x="11052629" y="2120024"/>
+              <a:ext cx="645368" cy="645368"/>
+            </a:xfrm>
+            <a:prstGeom prst="rect">
+              <a:avLst/>
+            </a:prstGeom>
+            <a:solidFill>
+              <a:schemeClr val="accent4">
+                <a:alpha val="30000"/>
+              </a:schemeClr>
+            </a:solidFill>
+            <a:ln>
+              <a:noFill/>
+            </a:ln>
+          </p:spPr>
+          <p:style>
+            <a:lnRef idx="2">
+              <a:schemeClr val="accent1">
+                <a:shade val="50000"/>
+              </a:schemeClr>
+            </a:lnRef>
+            <a:fillRef idx="1">
+              <a:schemeClr val="accent1"/>
+            </a:fillRef>
+            <a:effectRef idx="0">
+              <a:schemeClr val="accent1"/>
+            </a:effectRef>
+            <a:fontRef idx="minor">
+              <a:schemeClr val="lt1"/>
+            </a:fontRef>
+          </p:style>
+          <p:txBody>
+            <a:bodyPr rtlCol="0" anchor="ctr"/>
+            <a:lstStyle/>
+            <a:p>
+              <a:pPr algn="ctr"/>
+              <a:endParaRPr lang="en-US"/>
+            </a:p>
+          </p:txBody>
+        </p:sp>
+        <p:sp>
+          <p:nvSpPr>
+            <p:cNvPr id="21" name="Isosceles Triangle 20">
+              <a:extLst>
+                <a:ext uri="{FF2B5EF4-FFF2-40B4-BE49-F238E27FC236}">
+                  <a16:creationId xmlns:a16="http://schemas.microsoft.com/office/drawing/2014/main" id="{A2FF99B6-37BA-4650-B01D-799F02E31EB7}"/>
+                </a:ext>
+                <a:ext uri="{C183D7F6-B498-43B3-948B-1728B52AA6E4}">
+                  <adec:decorative xmlns:adec="http://schemas.microsoft.com/office/drawing/2017/decorative" val="1"/>
+                </a:ext>
+              </a:extLst>
+            </p:cNvPr>
+            <p:cNvSpPr/>
+            <p:nvPr>
+              <p:extLst>
+                <p:ext uri="{386F3935-93C4-4BCD-93E2-E3B085C9AB24}">
+                  <p16:designElem xmlns:p16="http://schemas.microsoft.com/office/powerpoint/2015/main" val="1"/>
+                </p:ext>
+              </p:extLst>
+            </p:nvPr>
+          </p:nvSpPr>
+          <p:spPr>
+            <a:xfrm rot="16200000">
+              <a:off x="10289068" y="1343027"/>
+              <a:ext cx="2532832" cy="1273032"/>
+            </a:xfrm>
+            <a:prstGeom prst="triangle">
+              <a:avLst>
+                <a:gd name="adj" fmla="val 50000"/>
+              </a:avLst>
+            </a:prstGeom>
+            <a:solidFill>
+              <a:schemeClr val="accent4">
+                <a:alpha val="30000"/>
+              </a:schemeClr>
+            </a:solidFill>
+            <a:ln>
+              <a:noFill/>
+            </a:ln>
+          </p:spPr>
+          <p:style>
+            <a:lnRef idx="2">
+              <a:schemeClr val="accent1">
+                <a:shade val="50000"/>
+              </a:schemeClr>
+            </a:lnRef>
+            <a:fillRef idx="1">
+              <a:schemeClr val="accent1"/>
+            </a:fillRef>
+            <a:effectRef idx="0">
+              <a:schemeClr val="accent1"/>
+            </a:effectRef>
+            <a:fontRef idx="minor">
+              <a:schemeClr val="lt1"/>
+            </a:fontRef>
+          </p:style>
+          <p:txBody>
+            <a:bodyPr rtlCol="0" anchor="ctr"/>
+            <a:lstStyle/>
+            <a:p>
+              <a:pPr algn="ctr"/>
+              <a:endParaRPr lang="en-US" dirty="0"/>
+            </a:p>
+          </p:txBody>
+        </p:sp>
+      </p:grpSp>
+      <p:sp>
+        <p:nvSpPr>
+          <p:cNvPr id="2" name="Title 1">
+            <a:extLst>
+              <a:ext uri="{FF2B5EF4-FFF2-40B4-BE49-F238E27FC236}">
+                <a16:creationId xmlns:a16="http://schemas.microsoft.com/office/drawing/2014/main" id="{D765B020-40A5-4E14-973D-662BC73364BC}"/>
+              </a:ext>
+            </a:extLst>
+          </p:cNvPr>
+          <p:cNvSpPr>
+            <a:spLocks noGrp="1"/>
+          </p:cNvSpPr>
+          <p:nvPr>
+            <p:ph type="title"/>
+          </p:nvPr>
+        </p:nvSpPr>
+        <p:spPr>
+          <a:xfrm>
+            <a:off x="643467" y="321734"/>
+            <a:ext cx="10905066" cy="1135737"/>
+          </a:xfrm>
+        </p:spPr>
+        <p:txBody>
+          <a:bodyPr>
+            <a:normAutofit/>
+          </a:bodyPr>
+          <a:lstStyle/>
+          <a:p>
+            <a:r>
+              <a:rPr lang="en-US" sz="2500" b="0" dirty="0">
+                <a:effectLst/>
+                <a:latin typeface="Calibri" panose="020F0502020204030204" pitchFamily="34" charset="0"/>
+                <a:cs typeface="Calibri" panose="020F0502020204030204" pitchFamily="34" charset="0"/>
+              </a:rPr>
               <a:t>Has there been a significant difference in overall sales quantity compared to expected projections?</a:t>
             </a:r>
             <a:br>
@@ -29955,7 +31023,7 @@
             <p:ph idx="1"/>
             <p:extLst>
               <p:ext uri="{D42A27DB-BD31-4B8C-83A1-F6EECF244321}">
-                <p14:modId xmlns:p14="http://schemas.microsoft.com/office/powerpoint/2010/main" val="2872968926"/>
+                <p14:modId xmlns:p14="http://schemas.microsoft.com/office/powerpoint/2010/main" val="3785723833"/>
               </p:ext>
             </p:extLst>
           </p:nvPr>
@@ -30179,7 +31247,7 @@
 </p:sld>
 </file>
 
-<file path=ppt/slides/slide6.xml><?xml version="1.0" encoding="utf-8"?>
+<file path=ppt/slides/slide7.xml><?xml version="1.0" encoding="utf-8"?>
 <p:sld xmlns:a="http://schemas.openxmlformats.org/drawingml/2006/main" xmlns:r="http://schemas.openxmlformats.org/officeDocument/2006/relationships" xmlns:p="http://schemas.openxmlformats.org/presentationml/2006/main">
   <p:cSld>
     <p:bg>
@@ -30685,28 +31753,28 @@
             <p:ph idx="1"/>
             <p:extLst>
               <p:ext uri="{D42A27DB-BD31-4B8C-83A1-F6EECF244321}">
-                <p14:modId xmlns:p14="http://schemas.microsoft.com/office/powerpoint/2010/main" val="1529897957"/>
+                <p14:modId xmlns:p14="http://schemas.microsoft.com/office/powerpoint/2010/main" val="910573761"/>
               </p:ext>
             </p:extLst>
           </p:nvPr>
         </p:nvGraphicFramePr>
         <p:xfrm>
-          <a:off x="7376160" y="2124730"/>
-          <a:ext cx="2929891" cy="2155472"/>
+          <a:off x="8139827" y="1817198"/>
+          <a:ext cx="1712951" cy="2155472"/>
         </p:xfrm>
         <a:graphic>
           <a:graphicData uri="http://schemas.openxmlformats.org/drawingml/2006/table">
             <a:tbl>
               <a:tblPr/>
               <a:tblGrid>
-                <a:gridCol w="482192">
+                <a:gridCol w="336550">
                   <a:extLst>
                     <a:ext uri="{9D8B030D-6E8A-4147-A177-3AD203B41FA5}">
                       <a16:colId xmlns:a16="http://schemas.microsoft.com/office/drawing/2014/main" val="1432220370"/>
                     </a:ext>
                   </a:extLst>
                 </a:gridCol>
-                <a:gridCol w="1634861">
+                <a:gridCol w="563563">
                   <a:extLst>
                     <a:ext uri="{9D8B030D-6E8A-4147-A177-3AD203B41FA5}">
                       <a16:colId xmlns:a16="http://schemas.microsoft.com/office/drawing/2014/main" val="1740427268"/>
@@ -30793,7 +31861,7 @@
                           <a:effectLst/>
                           <a:latin typeface="Calibri" panose="020F0502020204030204" pitchFamily="34" charset="0"/>
                         </a:rPr>
-                        <a:t>Invoiced Quantity</a:t>
+                        <a:t>Quantity</a:t>
                       </a:r>
                     </a:p>
                   </a:txBody>
@@ -31142,7 +32210,7 @@
                     <a:p>
                       <a:pPr algn="r" fontAlgn="b"/>
                       <a:r>
-                        <a:rPr lang="en-US" sz="1100" b="0" i="0" u="none" strike="noStrike">
+                        <a:rPr lang="en-US" sz="1100" b="0" i="0" u="none" strike="noStrike" dirty="0">
                           <a:solidFill>
                             <a:srgbClr val="000000"/>
                           </a:solidFill>
@@ -32163,8 +33231,8 @@
         </p:nvSpPr>
         <p:spPr>
           <a:xfrm>
-            <a:off x="7412173" y="4843296"/>
-            <a:ext cx="2945130" cy="430887"/>
+            <a:off x="6816090" y="4889016"/>
+            <a:ext cx="3987529" cy="1615827"/>
           </a:xfrm>
           <a:prstGeom prst="rect">
             <a:avLst/>
@@ -32177,13 +33245,217 @@
           </a:bodyPr>
           <a:lstStyle/>
           <a:p>
+            <a:pPr marL="171450" indent="-171450">
+              <a:buFont typeface="Arial" panose="020B0604020202020204" pitchFamily="34" charset="0"/>
+              <a:buChar char="•"/>
+            </a:pPr>
             <a:r>
               <a:rPr lang="en-US" sz="1100" dirty="0"/>
-              <a:t>Note: some large single month highs in previous years could coincide with inventory closeouts.</a:t>
+              <a:t>We can say that there can be a correlation between current events and the sale of bicycle tires.</a:t>
+            </a:r>
+          </a:p>
+          <a:p>
+            <a:pPr marL="171450" indent="-171450">
+              <a:buFont typeface="Arial" panose="020B0604020202020204" pitchFamily="34" charset="0"/>
+              <a:buChar char="•"/>
+            </a:pPr>
+            <a:endParaRPr lang="en-US" sz="1100" dirty="0"/>
+          </a:p>
+          <a:p>
+            <a:pPr marL="171450" indent="-171450">
+              <a:buFont typeface="Arial" panose="020B0604020202020204" pitchFamily="34" charset="0"/>
+              <a:buChar char="•"/>
+            </a:pPr>
+            <a:endParaRPr lang="en-US" sz="1100" dirty="0"/>
+          </a:p>
+          <a:p>
+            <a:pPr marL="171450" indent="-171450">
+              <a:buFont typeface="Arial" panose="020B0604020202020204" pitchFamily="34" charset="0"/>
+              <a:buChar char="•"/>
+            </a:pPr>
+            <a:r>
+              <a:rPr lang="en-US" sz="1100" dirty="0"/>
+              <a:t>Some large single month highs in previous years could coincide with inventory closeouts.</a:t>
+            </a:r>
+          </a:p>
+          <a:p>
+            <a:pPr marL="171450" indent="-171450">
+              <a:buFont typeface="Arial" panose="020B0604020202020204" pitchFamily="34" charset="0"/>
+              <a:buChar char="•"/>
+            </a:pPr>
+            <a:r>
+              <a:rPr lang="en-US" sz="1100" dirty="0"/>
+              <a:t>The drop in sales beyond the peak in sales in mid-2020 may not be entirely indicative of market as much as limited inventory due to supply chain challenges.</a:t>
             </a:r>
           </a:p>
         </p:txBody>
       </p:sp>
+      <p:graphicFrame>
+        <p:nvGraphicFramePr>
+          <p:cNvPr id="7" name="Table 7">
+            <a:extLst>
+              <a:ext uri="{FF2B5EF4-FFF2-40B4-BE49-F238E27FC236}">
+                <a16:creationId xmlns:a16="http://schemas.microsoft.com/office/drawing/2014/main" id="{6AD72C9B-867C-4F9C-A227-6BC97620B9EF}"/>
+              </a:ext>
+            </a:extLst>
+          </p:cNvPr>
+          <p:cNvGraphicFramePr>
+            <a:graphicFrameLocks noGrp="1"/>
+          </p:cNvGraphicFramePr>
+          <p:nvPr>
+            <p:extLst>
+              <p:ext uri="{D42A27DB-BD31-4B8C-83A1-F6EECF244321}">
+                <p14:modId xmlns:p14="http://schemas.microsoft.com/office/powerpoint/2010/main" val="27859378"/>
+              </p:ext>
+            </p:extLst>
+          </p:nvPr>
+        </p:nvGraphicFramePr>
+        <p:xfrm>
+          <a:off x="6671310" y="4103101"/>
+          <a:ext cx="4808220" cy="609764"/>
+        </p:xfrm>
+        <a:graphic>
+          <a:graphicData uri="http://schemas.openxmlformats.org/drawingml/2006/table">
+            <a:tbl>
+              <a:tblPr firstRow="1" bandRow="1">
+                <a:tableStyleId>{5C22544A-7EE6-4342-B048-85BDC9FD1C3A}</a:tableStyleId>
+              </a:tblPr>
+              <a:tblGrid>
+                <a:gridCol w="1602740">
+                  <a:extLst>
+                    <a:ext uri="{9D8B030D-6E8A-4147-A177-3AD203B41FA5}">
+                      <a16:colId xmlns:a16="http://schemas.microsoft.com/office/drawing/2014/main" val="3172858272"/>
+                    </a:ext>
+                  </a:extLst>
+                </a:gridCol>
+                <a:gridCol w="1993591">
+                  <a:extLst>
+                    <a:ext uri="{9D8B030D-6E8A-4147-A177-3AD203B41FA5}">
+                      <a16:colId xmlns:a16="http://schemas.microsoft.com/office/drawing/2014/main" val="163572070"/>
+                    </a:ext>
+                  </a:extLst>
+                </a:gridCol>
+                <a:gridCol w="1211889">
+                  <a:extLst>
+                    <a:ext uri="{9D8B030D-6E8A-4147-A177-3AD203B41FA5}">
+                      <a16:colId xmlns:a16="http://schemas.microsoft.com/office/drawing/2014/main" val="2593596276"/>
+                    </a:ext>
+                  </a:extLst>
+                </a:gridCol>
+              </a:tblGrid>
+              <a:tr h="304882">
+                <a:tc>
+                  <a:txBody>
+                    <a:bodyPr/>
+                    <a:lstStyle/>
+                    <a:p>
+                      <a:r>
+                        <a:rPr lang="en-US" sz="1100" dirty="0"/>
+                        <a:t>Critical Value</a:t>
+                      </a:r>
+                    </a:p>
+                  </a:txBody>
+                  <a:tcPr/>
+                </a:tc>
+                <a:tc>
+                  <a:txBody>
+                    <a:bodyPr/>
+                    <a:lstStyle/>
+                    <a:p>
+                      <a:r>
+                        <a:rPr lang="en-US" sz="1100" dirty="0"/>
+                        <a:t>Power divergence statistic</a:t>
+                      </a:r>
+                    </a:p>
+                  </a:txBody>
+                  <a:tcPr/>
+                </a:tc>
+                <a:tc>
+                  <a:txBody>
+                    <a:bodyPr/>
+                    <a:lstStyle/>
+                    <a:p>
+                      <a:r>
+                        <a:rPr lang="en-US" sz="1100" dirty="0"/>
+                        <a:t>P-value</a:t>
+                      </a:r>
+                    </a:p>
+                  </a:txBody>
+                  <a:tcPr/>
+                </a:tc>
+                <a:extLst>
+                  <a:ext uri="{0D108BD9-81ED-4DB2-BD59-A6C34878D82A}">
+                    <a16:rowId xmlns:a16="http://schemas.microsoft.com/office/drawing/2014/main" val="835491864"/>
+                  </a:ext>
+                </a:extLst>
+              </a:tr>
+              <a:tr h="304882">
+                <a:tc>
+                  <a:txBody>
+                    <a:bodyPr/>
+                    <a:lstStyle/>
+                    <a:p>
+                      <a:pPr marL="0" marR="0" lvl="0" indent="0" algn="l" defTabSz="914400" rtl="0" eaLnBrk="1" fontAlgn="auto" latinLnBrk="0" hangingPunct="1">
+                        <a:lnSpc>
+                          <a:spcPct val="100000"/>
+                        </a:lnSpc>
+                        <a:spcBef>
+                          <a:spcPts val="0"/>
+                        </a:spcBef>
+                        <a:spcAft>
+                          <a:spcPts val="0"/>
+                        </a:spcAft>
+                        <a:buClrTx/>
+                        <a:buSzTx/>
+                        <a:buFontTx/>
+                        <a:buNone/>
+                        <a:tabLst/>
+                        <a:defRPr/>
+                      </a:pPr>
+                      <a:r>
+                        <a:rPr lang="en-US" sz="1100" dirty="0"/>
+                        <a:t>5.991464547107979</a:t>
+                      </a:r>
+                    </a:p>
+                  </a:txBody>
+                  <a:tcPr/>
+                </a:tc>
+                <a:tc>
+                  <a:txBody>
+                    <a:bodyPr/>
+                    <a:lstStyle/>
+                    <a:p>
+                      <a:r>
+                        <a:rPr lang="en-US" sz="1100" dirty="0"/>
+                        <a:t>79576.40323390791</a:t>
+                      </a:r>
+                    </a:p>
+                  </a:txBody>
+                  <a:tcPr/>
+                </a:tc>
+                <a:tc>
+                  <a:txBody>
+                    <a:bodyPr/>
+                    <a:lstStyle/>
+                    <a:p>
+                      <a:r>
+                        <a:rPr lang="en-US" sz="1100" dirty="0"/>
+                        <a:t>0.0</a:t>
+                      </a:r>
+                    </a:p>
+                  </a:txBody>
+                  <a:tcPr/>
+                </a:tc>
+                <a:extLst>
+                  <a:ext uri="{0D108BD9-81ED-4DB2-BD59-A6C34878D82A}">
+                    <a16:rowId xmlns:a16="http://schemas.microsoft.com/office/drawing/2014/main" val="828959208"/>
+                  </a:ext>
+                </a:extLst>
+              </a:tr>
+            </a:tbl>
+          </a:graphicData>
+        </a:graphic>
+      </p:graphicFrame>
     </p:spTree>
     <p:extLst>
       <p:ext uri="{BB962C8B-B14F-4D97-AF65-F5344CB8AC3E}">
@@ -32197,7 +33469,7 @@
 </p:sld>
 </file>
 
-<file path=ppt/slides/slide7.xml><?xml version="1.0" encoding="utf-8"?>
+<file path=ppt/slides/slide8.xml><?xml version="1.0" encoding="utf-8"?>
 <p:sld xmlns:a="http://schemas.openxmlformats.org/drawingml/2006/main" xmlns:r="http://schemas.openxmlformats.org/officeDocument/2006/relationships" xmlns:p="http://schemas.openxmlformats.org/presentationml/2006/main">
   <p:cSld>
     <p:bg>
@@ -32715,7 +33987,7 @@
 </p:sld>
 </file>
 
-<file path=ppt/slides/slide8.xml><?xml version="1.0" encoding="utf-8"?>
+<file path=ppt/slides/slide9.xml><?xml version="1.0" encoding="utf-8"?>
 <p:sld xmlns:a="http://schemas.openxmlformats.org/drawingml/2006/main" xmlns:r="http://schemas.openxmlformats.org/officeDocument/2006/relationships" xmlns:p="http://schemas.openxmlformats.org/presentationml/2006/main">
   <p:cSld>
     <p:bg>
@@ -38845,529 +40117,6 @@
     <p:extLst>
       <p:ext uri="{BB962C8B-B14F-4D97-AF65-F5344CB8AC3E}">
         <p14:creationId xmlns:p14="http://schemas.microsoft.com/office/powerpoint/2010/main" val="2346219076"/>
-      </p:ext>
-    </p:extLst>
-  </p:cSld>
-  <p:clrMapOvr>
-    <a:masterClrMapping/>
-  </p:clrMapOvr>
-</p:sld>
-</file>
-
-<file path=ppt/slides/slide9.xml><?xml version="1.0" encoding="utf-8"?>
-<p:sld xmlns:a="http://schemas.openxmlformats.org/drawingml/2006/main" xmlns:r="http://schemas.openxmlformats.org/officeDocument/2006/relationships" xmlns:p="http://schemas.openxmlformats.org/presentationml/2006/main">
-  <p:cSld>
-    <p:bg>
-      <p:bgPr>
-        <a:solidFill>
-          <a:schemeClr val="bg1"/>
-        </a:solidFill>
-        <a:effectLst/>
-      </p:bgPr>
-    </p:bg>
-    <p:spTree>
-      <p:nvGrpSpPr>
-        <p:cNvPr id="1" name=""/>
-        <p:cNvGrpSpPr/>
-        <p:nvPr/>
-      </p:nvGrpSpPr>
-      <p:grpSpPr>
-        <a:xfrm>
-          <a:off x="0" y="0"/>
-          <a:ext cx="0" cy="0"/>
-          <a:chOff x="0" y="0"/>
-          <a:chExt cx="0" cy="0"/>
-        </a:xfrm>
-      </p:grpSpPr>
-      <p:sp>
-        <p:nvSpPr>
-          <p:cNvPr id="12" name="Rectangle 11">
-            <a:extLst>
-              <a:ext uri="{FF2B5EF4-FFF2-40B4-BE49-F238E27FC236}">
-                <a16:creationId xmlns:a16="http://schemas.microsoft.com/office/drawing/2014/main" id="{2B566528-1B12-4246-9431-5C2D7D081168}"/>
-              </a:ext>
-              <a:ext uri="{C183D7F6-B498-43B3-948B-1728B52AA6E4}">
-                <adec:decorative xmlns:adec="http://schemas.microsoft.com/office/drawing/2017/decorative" val="1"/>
-              </a:ext>
-            </a:extLst>
-          </p:cNvPr>
-          <p:cNvSpPr>
-            <a:spLocks noGrp="1" noRot="1" noChangeAspect="1" noMove="1" noResize="1" noEditPoints="1" noAdjustHandles="1" noChangeArrowheads="1" noChangeShapeType="1" noTextEdit="1"/>
-          </p:cNvSpPr>
-          <p:nvPr>
-            <p:extLst>
-              <p:ext uri="{386F3935-93C4-4BCD-93E2-E3B085C9AB24}">
-                <p16:designElem xmlns:p16="http://schemas.microsoft.com/office/powerpoint/2015/main" val="1"/>
-              </p:ext>
-            </p:extLst>
-          </p:nvPr>
-        </p:nvSpPr>
-        <p:spPr>
-          <a:xfrm>
-            <a:off x="0" y="0"/>
-            <a:ext cx="12192000" cy="6858000"/>
-          </a:xfrm>
-          <a:prstGeom prst="rect">
-            <a:avLst/>
-          </a:prstGeom>
-          <a:solidFill>
-            <a:schemeClr val="bg1"/>
-          </a:solidFill>
-          <a:ln>
-            <a:noFill/>
-          </a:ln>
-        </p:spPr>
-        <p:style>
-          <a:lnRef idx="2">
-            <a:schemeClr val="accent1">
-              <a:shade val="50000"/>
-            </a:schemeClr>
-          </a:lnRef>
-          <a:fillRef idx="1">
-            <a:schemeClr val="accent1"/>
-          </a:fillRef>
-          <a:effectRef idx="0">
-            <a:schemeClr val="accent1"/>
-          </a:effectRef>
-          <a:fontRef idx="minor">
-            <a:schemeClr val="lt1"/>
-          </a:fontRef>
-        </p:style>
-        <p:txBody>
-          <a:bodyPr rtlCol="0" anchor="ctr"/>
-          <a:lstStyle/>
-          <a:p>
-            <a:pPr algn="ctr"/>
-            <a:endParaRPr lang="en-US" dirty="0"/>
-          </a:p>
-        </p:txBody>
-      </p:sp>
-      <p:sp>
-        <p:nvSpPr>
-          <p:cNvPr id="2" name="Title 1">
-            <a:extLst>
-              <a:ext uri="{FF2B5EF4-FFF2-40B4-BE49-F238E27FC236}">
-                <a16:creationId xmlns:a16="http://schemas.microsoft.com/office/drawing/2014/main" id="{E0813171-22F2-472A-8184-5FB564EDBD9B}"/>
-              </a:ext>
-            </a:extLst>
-          </p:cNvPr>
-          <p:cNvSpPr>
-            <a:spLocks noGrp="1"/>
-          </p:cNvSpPr>
-          <p:nvPr>
-            <p:ph type="title"/>
-          </p:nvPr>
-        </p:nvSpPr>
-        <p:spPr>
-          <a:xfrm>
-            <a:off x="643467" y="321734"/>
-            <a:ext cx="10905066" cy="1135737"/>
-          </a:xfrm>
-        </p:spPr>
-        <p:txBody>
-          <a:bodyPr>
-            <a:normAutofit/>
-          </a:bodyPr>
-          <a:lstStyle/>
-          <a:p>
-            <a:r>
-              <a:rPr lang="en-US" sz="3600" dirty="0"/>
-              <a:t>Tire Sizes</a:t>
-            </a:r>
-          </a:p>
-        </p:txBody>
-      </p:sp>
-      <p:graphicFrame>
-        <p:nvGraphicFramePr>
-          <p:cNvPr id="22" name="Content Placeholder 2">
-            <a:extLst>
-              <a:ext uri="{FF2B5EF4-FFF2-40B4-BE49-F238E27FC236}">
-                <a16:creationId xmlns:a16="http://schemas.microsoft.com/office/drawing/2014/main" id="{8B7FA02E-E380-42D4-99AC-7751B9C58F2D}"/>
-              </a:ext>
-            </a:extLst>
-          </p:cNvPr>
-          <p:cNvGraphicFramePr>
-            <a:graphicFrameLocks noGrp="1"/>
-          </p:cNvGraphicFramePr>
-          <p:nvPr>
-            <p:ph idx="1"/>
-            <p:extLst>
-              <p:ext uri="{D42A27DB-BD31-4B8C-83A1-F6EECF244321}">
-                <p14:modId xmlns:p14="http://schemas.microsoft.com/office/powerpoint/2010/main" val="1778811204"/>
-              </p:ext>
-            </p:extLst>
-          </p:nvPr>
-        </p:nvGraphicFramePr>
-        <p:xfrm>
-          <a:off x="188536" y="1403763"/>
-          <a:ext cx="4674958" cy="5049878"/>
-        </p:xfrm>
-        <a:graphic>
-          <a:graphicData uri="http://schemas.openxmlformats.org/drawingml/2006/diagram">
-            <dgm:relIds xmlns:dgm="http://schemas.openxmlformats.org/drawingml/2006/diagram" xmlns:r="http://schemas.openxmlformats.org/officeDocument/2006/relationships" r:dm="rId2" r:lo="rId3" r:qs="rId4" r:cs="rId5"/>
-          </a:graphicData>
-        </a:graphic>
-      </p:graphicFrame>
-      <p:grpSp>
-        <p:nvGrpSpPr>
-          <p:cNvPr id="14" name="Group 13">
-            <a:extLst>
-              <a:ext uri="{FF2B5EF4-FFF2-40B4-BE49-F238E27FC236}">
-                <a16:creationId xmlns:a16="http://schemas.microsoft.com/office/drawing/2014/main" id="{828A5161-06F1-46CF-8AD7-844680A59E13}"/>
-              </a:ext>
-              <a:ext uri="{C183D7F6-B498-43B3-948B-1728B52AA6E4}">
-                <adec:decorative xmlns:adec="http://schemas.microsoft.com/office/drawing/2017/decorative" val="1"/>
-              </a:ext>
-            </a:extLst>
-          </p:cNvPr>
-          <p:cNvGrpSpPr>
-            <a:grpSpLocks noGrp="1" noUngrp="1" noRot="1" noChangeAspect="1" noMove="1" noResize="1"/>
-          </p:cNvGrpSpPr>
-          <p:nvPr>
-            <p:extLst>
-              <p:ext uri="{386F3935-93C4-4BCD-93E2-E3B085C9AB24}">
-                <p16:designElem xmlns:p16="http://schemas.microsoft.com/office/powerpoint/2015/main" val="1"/>
-              </p:ext>
-            </p:extLst>
-          </p:nvPr>
-        </p:nvGrpSpPr>
-        <p:grpSpPr>
-          <a:xfrm>
-            <a:off x="0" y="4601497"/>
-            <a:ext cx="1014060" cy="2017580"/>
-            <a:chOff x="0" y="4601497"/>
-            <a:chExt cx="1014060" cy="2017580"/>
-          </a:xfrm>
-        </p:grpSpPr>
-        <p:sp>
-          <p:nvSpPr>
-            <p:cNvPr id="15" name="Isosceles Triangle 14">
-              <a:extLst>
-                <a:ext uri="{FF2B5EF4-FFF2-40B4-BE49-F238E27FC236}">
-                  <a16:creationId xmlns:a16="http://schemas.microsoft.com/office/drawing/2014/main" id="{D3F51FEB-38FB-4F6C-9F7B-2F2AFAB65463}"/>
-                </a:ext>
-                <a:ext uri="{C183D7F6-B498-43B3-948B-1728B52AA6E4}">
-                  <adec:decorative xmlns:adec="http://schemas.microsoft.com/office/drawing/2017/decorative" val="1"/>
-                </a:ext>
-              </a:extLst>
-            </p:cNvPr>
-            <p:cNvSpPr/>
-            <p:nvPr>
-              <p:extLst>
-                <p:ext uri="{386F3935-93C4-4BCD-93E2-E3B085C9AB24}">
-                  <p16:designElem xmlns:p16="http://schemas.microsoft.com/office/powerpoint/2015/main" val="1"/>
-                </p:ext>
-              </p:extLst>
-            </p:nvPr>
-          </p:nvSpPr>
-          <p:spPr>
-            <a:xfrm rot="5400000">
-              <a:off x="-501760" y="5103257"/>
-              <a:ext cx="2017580" cy="1014060"/>
-            </a:xfrm>
-            <a:prstGeom prst="triangle">
-              <a:avLst>
-                <a:gd name="adj" fmla="val 50000"/>
-              </a:avLst>
-            </a:prstGeom>
-            <a:solidFill>
-              <a:schemeClr val="accent1">
-                <a:alpha val="30000"/>
-              </a:schemeClr>
-            </a:solidFill>
-            <a:ln>
-              <a:noFill/>
-            </a:ln>
-          </p:spPr>
-          <p:style>
-            <a:lnRef idx="2">
-              <a:schemeClr val="accent1">
-                <a:shade val="50000"/>
-              </a:schemeClr>
-            </a:lnRef>
-            <a:fillRef idx="1">
-              <a:schemeClr val="accent1"/>
-            </a:fillRef>
-            <a:effectRef idx="0">
-              <a:schemeClr val="accent1"/>
-            </a:effectRef>
-            <a:fontRef idx="minor">
-              <a:schemeClr val="lt1"/>
-            </a:fontRef>
-          </p:style>
-          <p:txBody>
-            <a:bodyPr rtlCol="0" anchor="ctr"/>
-            <a:lstStyle/>
-            <a:p>
-              <a:pPr algn="ctr"/>
-              <a:endParaRPr lang="en-US"/>
-            </a:p>
-          </p:txBody>
-        </p:sp>
-        <p:sp>
-          <p:nvSpPr>
-            <p:cNvPr id="16" name="Rectangle 15">
-              <a:extLst>
-                <a:ext uri="{FF2B5EF4-FFF2-40B4-BE49-F238E27FC236}">
-                  <a16:creationId xmlns:a16="http://schemas.microsoft.com/office/drawing/2014/main" id="{1E547BA6-BAE0-43BB-A7CA-60F69CE252F0}"/>
-                </a:ext>
-                <a:ext uri="{C183D7F6-B498-43B3-948B-1728B52AA6E4}">
-                  <adec:decorative xmlns:adec="http://schemas.microsoft.com/office/drawing/2017/decorative" val="1"/>
-                </a:ext>
-              </a:extLst>
-            </p:cNvPr>
-            <p:cNvSpPr/>
-            <p:nvPr>
-              <p:extLst>
-                <p:ext uri="{386F3935-93C4-4BCD-93E2-E3B085C9AB24}">
-                  <p16:designElem xmlns:p16="http://schemas.microsoft.com/office/powerpoint/2015/main" val="1"/>
-                </p:ext>
-              </p:extLst>
-            </p:nvPr>
-          </p:nvSpPr>
-          <p:spPr>
-            <a:xfrm rot="2700000">
-              <a:off x="427916" y="5728708"/>
-              <a:ext cx="485578" cy="485578"/>
-            </a:xfrm>
-            <a:prstGeom prst="rect">
-              <a:avLst/>
-            </a:prstGeom>
-            <a:solidFill>
-              <a:schemeClr val="accent1">
-                <a:alpha val="30000"/>
-              </a:schemeClr>
-            </a:solidFill>
-            <a:ln>
-              <a:noFill/>
-            </a:ln>
-          </p:spPr>
-          <p:style>
-            <a:lnRef idx="2">
-              <a:schemeClr val="accent1">
-                <a:shade val="50000"/>
-              </a:schemeClr>
-            </a:lnRef>
-            <a:fillRef idx="1">
-              <a:schemeClr val="accent1"/>
-            </a:fillRef>
-            <a:effectRef idx="0">
-              <a:schemeClr val="accent1"/>
-            </a:effectRef>
-            <a:fontRef idx="minor">
-              <a:schemeClr val="lt1"/>
-            </a:fontRef>
-          </p:style>
-          <p:txBody>
-            <a:bodyPr rtlCol="0" anchor="ctr"/>
-            <a:lstStyle/>
-            <a:p>
-              <a:pPr algn="ctr"/>
-              <a:endParaRPr lang="en-US"/>
-            </a:p>
-          </p:txBody>
-        </p:sp>
-      </p:grpSp>
-      <p:pic>
-        <p:nvPicPr>
-          <p:cNvPr id="7" name="Picture 6">
-            <a:extLst>
-              <a:ext uri="{FF2B5EF4-FFF2-40B4-BE49-F238E27FC236}">
-                <a16:creationId xmlns:a16="http://schemas.microsoft.com/office/drawing/2014/main" id="{D1565E79-2731-4D47-B3EC-0A9E39D76BF3}"/>
-              </a:ext>
-            </a:extLst>
-          </p:cNvPr>
-          <p:cNvPicPr>
-            <a:picLocks noChangeAspect="1"/>
-          </p:cNvPicPr>
-          <p:nvPr/>
-        </p:nvPicPr>
-        <p:blipFill>
-          <a:blip r:embed="rId7">
-            <a:extLst>
-              <a:ext uri="{28A0092B-C50C-407E-A947-70E740481C1C}">
-                <a14:useLocalDpi xmlns:a14="http://schemas.microsoft.com/office/drawing/2010/main" val="0"/>
-              </a:ext>
-            </a:extLst>
-          </a:blip>
-          <a:stretch>
-            <a:fillRect/>
-          </a:stretch>
-        </p:blipFill>
-        <p:spPr>
-          <a:xfrm>
-            <a:off x="5138827" y="1134135"/>
-            <a:ext cx="7536758" cy="4837362"/>
-          </a:xfrm>
-          <a:prstGeom prst="rect">
-            <a:avLst/>
-          </a:prstGeom>
-        </p:spPr>
-      </p:pic>
-      <p:grpSp>
-        <p:nvGrpSpPr>
-          <p:cNvPr id="18" name="Group 17">
-            <a:extLst>
-              <a:ext uri="{FF2B5EF4-FFF2-40B4-BE49-F238E27FC236}">
-                <a16:creationId xmlns:a16="http://schemas.microsoft.com/office/drawing/2014/main" id="{5995D10D-E9C9-47DB-AE7E-801FEF38F5C9}"/>
-              </a:ext>
-              <a:ext uri="{C183D7F6-B498-43B3-948B-1728B52AA6E4}">
-                <adec:decorative xmlns:adec="http://schemas.microsoft.com/office/drawing/2017/decorative" val="1"/>
-              </a:ext>
-            </a:extLst>
-          </p:cNvPr>
-          <p:cNvGrpSpPr>
-            <a:grpSpLocks noGrp="1" noUngrp="1" noRot="1" noChangeAspect="1" noMove="1" noResize="1"/>
-          </p:cNvGrpSpPr>
-          <p:nvPr>
-            <p:extLst>
-              <p:ext uri="{386F3935-93C4-4BCD-93E2-E3B085C9AB24}">
-                <p16:designElem xmlns:p16="http://schemas.microsoft.com/office/powerpoint/2015/main" val="1"/>
-              </p:ext>
-            </p:extLst>
-          </p:nvPr>
-        </p:nvGrpSpPr>
-        <p:grpSpPr>
-          <a:xfrm>
-            <a:off x="11219290" y="1"/>
-            <a:ext cx="972709" cy="1935307"/>
-            <a:chOff x="10918968" y="713127"/>
-            <a:chExt cx="1273032" cy="2532832"/>
-          </a:xfrm>
-        </p:grpSpPr>
-        <p:sp>
-          <p:nvSpPr>
-            <p:cNvPr id="19" name="Rectangle 18">
-              <a:extLst>
-                <a:ext uri="{FF2B5EF4-FFF2-40B4-BE49-F238E27FC236}">
-                  <a16:creationId xmlns:a16="http://schemas.microsoft.com/office/drawing/2014/main" id="{CC1A72C6-3DE4-4EC3-9AD5-9E0D40D8CE8A}"/>
-                </a:ext>
-                <a:ext uri="{C183D7F6-B498-43B3-948B-1728B52AA6E4}">
-                  <adec:decorative xmlns:adec="http://schemas.microsoft.com/office/drawing/2017/decorative" val="1"/>
-                </a:ext>
-              </a:extLst>
-            </p:cNvPr>
-            <p:cNvSpPr/>
-            <p:nvPr>
-              <p:extLst>
-                <p:ext uri="{386F3935-93C4-4BCD-93E2-E3B085C9AB24}">
-                  <p16:designElem xmlns:p16="http://schemas.microsoft.com/office/powerpoint/2015/main" val="1"/>
-                </p:ext>
-              </p:extLst>
-            </p:nvPr>
-          </p:nvSpPr>
-          <p:spPr>
-            <a:xfrm rot="2700000">
-              <a:off x="11052629" y="2120024"/>
-              <a:ext cx="645368" cy="645368"/>
-            </a:xfrm>
-            <a:prstGeom prst="rect">
-              <a:avLst/>
-            </a:prstGeom>
-            <a:solidFill>
-              <a:schemeClr val="accent4">
-                <a:alpha val="30000"/>
-              </a:schemeClr>
-            </a:solidFill>
-            <a:ln>
-              <a:noFill/>
-            </a:ln>
-          </p:spPr>
-          <p:style>
-            <a:lnRef idx="2">
-              <a:schemeClr val="accent1">
-                <a:shade val="50000"/>
-              </a:schemeClr>
-            </a:lnRef>
-            <a:fillRef idx="1">
-              <a:schemeClr val="accent1"/>
-            </a:fillRef>
-            <a:effectRef idx="0">
-              <a:schemeClr val="accent1"/>
-            </a:effectRef>
-            <a:fontRef idx="minor">
-              <a:schemeClr val="lt1"/>
-            </a:fontRef>
-          </p:style>
-          <p:txBody>
-            <a:bodyPr rtlCol="0" anchor="ctr"/>
-            <a:lstStyle/>
-            <a:p>
-              <a:pPr algn="ctr"/>
-              <a:endParaRPr lang="en-US"/>
-            </a:p>
-          </p:txBody>
-        </p:sp>
-        <p:sp>
-          <p:nvSpPr>
-            <p:cNvPr id="20" name="Isosceles Triangle 19">
-              <a:extLst>
-                <a:ext uri="{FF2B5EF4-FFF2-40B4-BE49-F238E27FC236}">
-                  <a16:creationId xmlns:a16="http://schemas.microsoft.com/office/drawing/2014/main" id="{0B0DA1F1-C391-4EDF-9FE0-23E86E137765}"/>
-                </a:ext>
-                <a:ext uri="{C183D7F6-B498-43B3-948B-1728B52AA6E4}">
-                  <adec:decorative xmlns:adec="http://schemas.microsoft.com/office/drawing/2017/decorative" val="1"/>
-                </a:ext>
-              </a:extLst>
-            </p:cNvPr>
-            <p:cNvSpPr/>
-            <p:nvPr>
-              <p:extLst>
-                <p:ext uri="{386F3935-93C4-4BCD-93E2-E3B085C9AB24}">
-                  <p16:designElem xmlns:p16="http://schemas.microsoft.com/office/powerpoint/2015/main" val="1"/>
-                </p:ext>
-              </p:extLst>
-            </p:nvPr>
-          </p:nvSpPr>
-          <p:spPr>
-            <a:xfrm rot="16200000">
-              <a:off x="10289068" y="1343027"/>
-              <a:ext cx="2532832" cy="1273032"/>
-            </a:xfrm>
-            <a:prstGeom prst="triangle">
-              <a:avLst>
-                <a:gd name="adj" fmla="val 50000"/>
-              </a:avLst>
-            </a:prstGeom>
-            <a:solidFill>
-              <a:schemeClr val="accent4">
-                <a:alpha val="30000"/>
-              </a:schemeClr>
-            </a:solidFill>
-            <a:ln>
-              <a:noFill/>
-            </a:ln>
-          </p:spPr>
-          <p:style>
-            <a:lnRef idx="2">
-              <a:schemeClr val="accent1">
-                <a:shade val="50000"/>
-              </a:schemeClr>
-            </a:lnRef>
-            <a:fillRef idx="1">
-              <a:schemeClr val="accent1"/>
-            </a:fillRef>
-            <a:effectRef idx="0">
-              <a:schemeClr val="accent1"/>
-            </a:effectRef>
-            <a:fontRef idx="minor">
-              <a:schemeClr val="lt1"/>
-            </a:fontRef>
-          </p:style>
-          <p:txBody>
-            <a:bodyPr rtlCol="0" anchor="ctr"/>
-            <a:lstStyle/>
-            <a:p>
-              <a:pPr algn="ctr"/>
-              <a:endParaRPr lang="en-US" dirty="0"/>
-            </a:p>
-          </p:txBody>
-        </p:sp>
-      </p:grpSp>
-    </p:spTree>
-    <p:extLst>
-      <p:ext uri="{BB962C8B-B14F-4D97-AF65-F5344CB8AC3E}">
-        <p14:creationId xmlns:p14="http://schemas.microsoft.com/office/powerpoint/2010/main" val="2068061770"/>
       </p:ext>
     </p:extLst>
   </p:cSld>

--- a/Project_power_point.pptx
+++ b/Project_power_point.pptx
@@ -7143,10 +7143,10 @@
             <a:defRPr cap="all"/>
           </a:pPr>
           <a:r>
-            <a:rPr lang="en-US" b="0" i="0"/>
-            <a:t>The years prior to 2020 26, 27.5 and 29 had similar and constant popularity. </a:t>
+            <a:rPr lang="en-US" b="0" i="0" dirty="0"/>
+            <a:t>The years prior to 2020 27.5 and 29 had moderate increasing popularity. </a:t>
           </a:r>
-          <a:endParaRPr lang="en-US"/>
+          <a:endParaRPr lang="en-US" dirty="0"/>
         </a:p>
       </dgm:t>
     </dgm:pt>
@@ -7229,10 +7229,10 @@
             <a:defRPr cap="all"/>
           </a:pPr>
           <a:r>
-            <a:rPr lang="en-US" b="0" i="0"/>
-            <a:t>While 26 and 27.5 and 29 where roughly equally as popular in the past. 29" has become the most popular tire by far.</a:t>
+            <a:rPr lang="en-US" b="0" i="0" dirty="0"/>
+            <a:t>While 27.5 and 29 were sharing similar popularities in the past. 29" has diverged and became the sole lead</a:t>
           </a:r>
-          <a:endParaRPr lang="en-US"/>
+          <a:endParaRPr lang="en-US" dirty="0"/>
         </a:p>
       </dgm:t>
     </dgm:pt>
@@ -10213,10 +10213,10 @@
             <a:defRPr cap="all"/>
           </a:pPr>
           <a:r>
-            <a:rPr lang="en-US" sz="1100" b="0" i="0" kern="1200"/>
-            <a:t>The years prior to 2020 26, 27.5 and 29 had similar and constant popularity. </a:t>
+            <a:rPr lang="en-US" sz="1100" b="0" i="0" kern="1200" dirty="0"/>
+            <a:t>The years prior to 2020 27.5 and 29 had moderate increasing popularity. </a:t>
           </a:r>
-          <a:endParaRPr lang="en-US" sz="1100" kern="1200"/>
+          <a:endParaRPr lang="en-US" sz="1100" kern="1200" dirty="0"/>
         </a:p>
       </dsp:txBody>
       <dsp:txXfrm>
@@ -10531,10 +10531,10 @@
             <a:defRPr cap="all"/>
           </a:pPr>
           <a:r>
-            <a:rPr lang="en-US" sz="1100" b="0" i="0" kern="1200"/>
-            <a:t>While 26 and 27.5 and 29 where roughly equally as popular in the past. 29" has become the most popular tire by far.</a:t>
+            <a:rPr lang="en-US" sz="1100" b="0" i="0" kern="1200" dirty="0"/>
+            <a:t>While 27.5 and 29 were sharing similar popularities in the past. 29" has diverged and became the sole lead</a:t>
           </a:r>
-          <a:endParaRPr lang="en-US" sz="1100" kern="1200"/>
+          <a:endParaRPr lang="en-US" sz="1100" kern="1200" dirty="0"/>
         </a:p>
       </dsp:txBody>
       <dsp:txXfrm>
@@ -24838,7 +24838,7 @@
             <p:ph idx="1"/>
             <p:extLst>
               <p:ext uri="{D42A27DB-BD31-4B8C-83A1-F6EECF244321}">
-                <p14:modId xmlns:p14="http://schemas.microsoft.com/office/powerpoint/2010/main" val="1778811204"/>
+                <p14:modId xmlns:p14="http://schemas.microsoft.com/office/powerpoint/2010/main" val="2931813897"/>
               </p:ext>
             </p:extLst>
           </p:nvPr>

--- a/Project_power_point.pptx
+++ b/Project_power_point.pptx
@@ -24454,8 +24454,8 @@
         </p:nvSpPr>
         <p:spPr>
           <a:xfrm>
-            <a:off x="3204642" y="2353641"/>
-            <a:ext cx="5531686" cy="2150719"/>
+            <a:off x="3591495" y="816044"/>
+            <a:ext cx="5084631" cy="1666828"/>
           </a:xfrm>
           <a:noFill/>
         </p:spPr>
@@ -24524,7 +24524,7 @@
         </p:nvSpPr>
         <p:spPr>
           <a:xfrm>
-            <a:off x="4439633" y="4518923"/>
+            <a:off x="4478659" y="5057028"/>
             <a:ext cx="3312734" cy="1141851"/>
           </a:xfrm>
           <a:noFill/>
@@ -24686,6 +24686,42 @@
           </a:p>
         </p:txBody>
       </p:sp>
+      <p:pic>
+        <p:nvPicPr>
+          <p:cNvPr id="5" name="Picture 4">
+            <a:extLst>
+              <a:ext uri="{FF2B5EF4-FFF2-40B4-BE49-F238E27FC236}">
+                <a16:creationId xmlns:a16="http://schemas.microsoft.com/office/drawing/2014/main" id="{077DC354-8F8C-4B3E-BEC4-D53693D376AA}"/>
+              </a:ext>
+            </a:extLst>
+          </p:cNvPr>
+          <p:cNvPicPr>
+            <a:picLocks noChangeAspect="1"/>
+          </p:cNvPicPr>
+          <p:nvPr/>
+        </p:nvPicPr>
+        <p:blipFill>
+          <a:blip r:embed="rId2">
+            <a:extLst>
+              <a:ext uri="{28A0092B-C50C-407E-A947-70E740481C1C}">
+                <a14:useLocalDpi xmlns:a14="http://schemas.microsoft.com/office/drawing/2010/main" val="0"/>
+              </a:ext>
+            </a:extLst>
+          </a:blip>
+          <a:stretch>
+            <a:fillRect/>
+          </a:stretch>
+        </p:blipFill>
+        <p:spPr>
+          <a:xfrm>
+            <a:off x="4265417" y="2370494"/>
+            <a:ext cx="3959654" cy="2639769"/>
+          </a:xfrm>
+          <a:prstGeom prst="rect">
+            <a:avLst/>
+          </a:prstGeom>
+        </p:spPr>
+      </p:pic>
     </p:spTree>
     <p:extLst>
       <p:ext uri="{BB962C8B-B14F-4D97-AF65-F5344CB8AC3E}">
@@ -31729,7 +31765,7 @@
         </p:blipFill>
         <p:spPr>
           <a:xfrm>
-            <a:off x="1105823" y="2037100"/>
+            <a:off x="860722" y="1372286"/>
             <a:ext cx="5485714" cy="3657143"/>
           </a:xfrm>
           <a:prstGeom prst="rect">
@@ -31753,13 +31789,13 @@
             <p:ph idx="1"/>
             <p:extLst>
               <p:ext uri="{D42A27DB-BD31-4B8C-83A1-F6EECF244321}">
-                <p14:modId xmlns:p14="http://schemas.microsoft.com/office/powerpoint/2010/main" val="910573761"/>
+                <p14:modId xmlns:p14="http://schemas.microsoft.com/office/powerpoint/2010/main" val="3704969277"/>
               </p:ext>
             </p:extLst>
           </p:nvPr>
         </p:nvGraphicFramePr>
         <p:xfrm>
-          <a:off x="8139827" y="1817198"/>
+          <a:off x="6563691" y="2451809"/>
           <a:ext cx="1712951" cy="2155472"/>
         </p:xfrm>
         <a:graphic>
@@ -32388,7 +32424,7 @@
                     <a:p>
                       <a:pPr algn="r" fontAlgn="b"/>
                       <a:r>
-                        <a:rPr lang="en-US" sz="1100" b="0" i="0" u="none" strike="noStrike">
+                        <a:rPr lang="en-US" sz="1100" b="0" i="0" u="none" strike="noStrike" dirty="0">
                           <a:solidFill>
                             <a:srgbClr val="000000"/>
                           </a:solidFill>
@@ -32801,7 +32837,7 @@
                     <a:p>
                       <a:pPr algn="r" fontAlgn="b"/>
                       <a:r>
-                        <a:rPr lang="en-US" sz="1100" b="0" i="0" u="none" strike="noStrike">
+                        <a:rPr lang="en-US" sz="1100" b="0" i="0" u="none" strike="noStrike" dirty="0">
                           <a:solidFill>
                             <a:srgbClr val="000000"/>
                           </a:solidFill>
@@ -33231,8 +33267,8 @@
         </p:nvSpPr>
         <p:spPr>
           <a:xfrm>
-            <a:off x="6816090" y="4889016"/>
-            <a:ext cx="3987529" cy="1615827"/>
+            <a:off x="8777840" y="2577108"/>
+            <a:ext cx="3086811" cy="1954381"/>
           </a:xfrm>
           <a:prstGeom prst="rect">
             <a:avLst/>
@@ -33305,14 +33341,14 @@
           <p:nvPr>
             <p:extLst>
               <p:ext uri="{D42A27DB-BD31-4B8C-83A1-F6EECF244321}">
-                <p14:modId xmlns:p14="http://schemas.microsoft.com/office/powerpoint/2010/main" val="27859378"/>
+                <p14:modId xmlns:p14="http://schemas.microsoft.com/office/powerpoint/2010/main" val="253459019"/>
               </p:ext>
             </p:extLst>
           </p:nvPr>
         </p:nvGraphicFramePr>
         <p:xfrm>
-          <a:off x="6671310" y="4103101"/>
-          <a:ext cx="4808220" cy="609764"/>
+          <a:off x="1450196" y="5389218"/>
+          <a:ext cx="9985911" cy="914646"/>
         </p:xfrm>
         <a:graphic>
           <a:graphicData uri="http://schemas.openxmlformats.org/drawingml/2006/table">
@@ -33321,21 +33357,28 @@
                 <a:tableStyleId>{5C22544A-7EE6-4342-B048-85BDC9FD1C3A}</a:tableStyleId>
               </a:tblPr>
               <a:tblGrid>
-                <a:gridCol w="1602740">
+                <a:gridCol w="2496478">
+                  <a:extLst>
+                    <a:ext uri="{9D8B030D-6E8A-4147-A177-3AD203B41FA5}">
+                      <a16:colId xmlns:a16="http://schemas.microsoft.com/office/drawing/2014/main" val="2942373384"/>
+                    </a:ext>
+                  </a:extLst>
+                </a:gridCol>
+                <a:gridCol w="2496478">
                   <a:extLst>
                     <a:ext uri="{9D8B030D-6E8A-4147-A177-3AD203B41FA5}">
                       <a16:colId xmlns:a16="http://schemas.microsoft.com/office/drawing/2014/main" val="3172858272"/>
                     </a:ext>
                   </a:extLst>
                 </a:gridCol>
-                <a:gridCol w="1993591">
+                <a:gridCol w="3105279">
                   <a:extLst>
                     <a:ext uri="{9D8B030D-6E8A-4147-A177-3AD203B41FA5}">
                       <a16:colId xmlns:a16="http://schemas.microsoft.com/office/drawing/2014/main" val="163572070"/>
                     </a:ext>
                   </a:extLst>
                 </a:gridCol>
-                <a:gridCol w="1211889">
+                <a:gridCol w="1887676">
                   <a:extLst>
                     <a:ext uri="{9D8B030D-6E8A-4147-A177-3AD203B41FA5}">
                       <a16:colId xmlns:a16="http://schemas.microsoft.com/office/drawing/2014/main" val="2593596276"/>
@@ -33344,6 +33387,19 @@
                 </a:gridCol>
               </a:tblGrid>
               <a:tr h="304882">
+                <a:tc>
+                  <a:txBody>
+                    <a:bodyPr/>
+                    <a:lstStyle/>
+                    <a:p>
+                      <a:r>
+                        <a:rPr lang="en-US" sz="1100" dirty="0"/>
+                        <a:t>Years</a:t>
+                      </a:r>
+                    </a:p>
+                  </a:txBody>
+                  <a:tcPr/>
+                </a:tc>
                 <a:tc>
                   <a:txBody>
                     <a:bodyPr/>
@@ -33390,6 +33446,95 @@
                 </a:extLst>
               </a:tr>
               <a:tr h="304882">
+                <a:tc>
+                  <a:txBody>
+                    <a:bodyPr/>
+                    <a:lstStyle/>
+                    <a:p>
+                      <a:r>
+                        <a:rPr lang="en-US" sz="1100" dirty="0"/>
+                        <a:t>2018-2019</a:t>
+                      </a:r>
+                    </a:p>
+                  </a:txBody>
+                  <a:tcPr/>
+                </a:tc>
+                <a:tc>
+                  <a:txBody>
+                    <a:bodyPr/>
+                    <a:lstStyle/>
+                    <a:p>
+                      <a:r>
+                        <a:rPr lang="en-US" sz="1100" dirty="0"/>
+                        <a:t>5.991464547107979</a:t>
+                      </a:r>
+                    </a:p>
+                  </a:txBody>
+                  <a:tcPr/>
+                </a:tc>
+                <a:tc>
+                  <a:txBody>
+                    <a:bodyPr/>
+                    <a:lstStyle/>
+                    <a:p>
+                      <a:r>
+                        <a:rPr lang="en-US" sz="1100" dirty="0"/>
+                        <a:t>591.0394315517315</a:t>
+                      </a:r>
+                    </a:p>
+                  </a:txBody>
+                  <a:tcPr/>
+                </a:tc>
+                <a:tc>
+                  <a:txBody>
+                    <a:bodyPr/>
+                    <a:lstStyle/>
+                    <a:p>
+                      <a:r>
+                        <a:rPr lang="en-US" sz="1100" dirty="0"/>
+                        <a:t>1.4887379627639045e-130</a:t>
+                      </a:r>
+                    </a:p>
+                  </a:txBody>
+                  <a:tcPr/>
+                </a:tc>
+                <a:extLst>
+                  <a:ext uri="{0D108BD9-81ED-4DB2-BD59-A6C34878D82A}">
+                    <a16:rowId xmlns:a16="http://schemas.microsoft.com/office/drawing/2014/main" val="2050680320"/>
+                  </a:ext>
+                </a:extLst>
+              </a:tr>
+              <a:tr h="304882">
+                <a:tc>
+                  <a:txBody>
+                    <a:bodyPr/>
+                    <a:lstStyle/>
+                    <a:p>
+                      <a:pPr marL="0" marR="0" lvl="0" indent="0" algn="l" defTabSz="914400" rtl="0" eaLnBrk="1" fontAlgn="auto" latinLnBrk="0" hangingPunct="1">
+                        <a:lnSpc>
+                          <a:spcPct val="100000"/>
+                        </a:lnSpc>
+                        <a:spcBef>
+                          <a:spcPts val="0"/>
+                        </a:spcBef>
+                        <a:spcAft>
+                          <a:spcPts val="0"/>
+                        </a:spcAft>
+                        <a:buClrTx/>
+                        <a:buSzTx/>
+                        <a:buFontTx/>
+                        <a:buNone/>
+                        <a:tabLst/>
+                        <a:defRPr/>
+                      </a:pPr>
+                      <a:r>
+                        <a:rPr lang="en-US" sz="1100" dirty="0"/>
+                        <a:t>2020-2021</a:t>
+                      </a:r>
+                    </a:p>
+                  </a:txBody>
+                  <a:tcPr/>
+                </a:tc>
                 <a:tc>
                   <a:txBody>
                     <a:bodyPr/>

--- a/Project_power_point.pptx
+++ b/Project_power_point.pptx
@@ -27925,7 +27925,7 @@
         </p:nvSpPr>
         <p:spPr>
           <a:xfrm>
-            <a:off x="643467" y="1698171"/>
+            <a:off x="4968009" y="512759"/>
             <a:ext cx="3962061" cy="4516360"/>
           </a:xfrm>
         </p:spPr>
@@ -27936,7 +27936,7 @@
           <a:lstStyle/>
           <a:p>
             <a:r>
-              <a:rPr lang="en-US" sz="3600"/>
+              <a:rPr lang="en-US" sz="3600" dirty="0"/>
               <a:t>Conclusion</a:t>
             </a:r>
           </a:p>
@@ -28462,6 +28462,42 @@
           </a:p>
         </p:txBody>
       </p:sp>
+      <p:pic>
+        <p:nvPicPr>
+          <p:cNvPr id="6" name="Picture 5">
+            <a:extLst>
+              <a:ext uri="{FF2B5EF4-FFF2-40B4-BE49-F238E27FC236}">
+                <a16:creationId xmlns:a16="http://schemas.microsoft.com/office/drawing/2014/main" id="{54B50877-26D8-4B4C-85CA-4B9DA8A2FE0D}"/>
+              </a:ext>
+            </a:extLst>
+          </p:cNvPr>
+          <p:cNvPicPr>
+            <a:picLocks noChangeAspect="1"/>
+          </p:cNvPicPr>
+          <p:nvPr/>
+        </p:nvPicPr>
+        <p:blipFill>
+          <a:blip r:embed="rId7">
+            <a:extLst>
+              <a:ext uri="{28A0092B-C50C-407E-A947-70E740481C1C}">
+                <a14:useLocalDpi xmlns:a14="http://schemas.microsoft.com/office/drawing/2010/main" val="0"/>
+              </a:ext>
+            </a:extLst>
+          </a:blip>
+          <a:stretch>
+            <a:fillRect/>
+          </a:stretch>
+        </p:blipFill>
+        <p:spPr>
+          <a:xfrm>
+            <a:off x="18616" y="0"/>
+            <a:ext cx="4566168" cy="6858000"/>
+          </a:xfrm>
+          <a:prstGeom prst="rect">
+            <a:avLst/>
+          </a:prstGeom>
+        </p:spPr>
+      </p:pic>
     </p:spTree>
     <p:extLst>
       <p:ext uri="{BB962C8B-B14F-4D97-AF65-F5344CB8AC3E}">
@@ -29208,6 +29244,42 @@
           </a:p>
         </p:txBody>
       </p:sp>
+      <p:pic>
+        <p:nvPicPr>
+          <p:cNvPr id="5" name="Picture 4">
+            <a:extLst>
+              <a:ext uri="{FF2B5EF4-FFF2-40B4-BE49-F238E27FC236}">
+                <a16:creationId xmlns:a16="http://schemas.microsoft.com/office/drawing/2014/main" id="{0096DEB4-6267-4680-AC5D-93728C574BD7}"/>
+              </a:ext>
+            </a:extLst>
+          </p:cNvPr>
+          <p:cNvPicPr>
+            <a:picLocks noChangeAspect="1"/>
+          </p:cNvPicPr>
+          <p:nvPr/>
+        </p:nvPicPr>
+        <p:blipFill>
+          <a:blip r:embed="rId2">
+            <a:extLst>
+              <a:ext uri="{28A0092B-C50C-407E-A947-70E740481C1C}">
+                <a14:useLocalDpi xmlns:a14="http://schemas.microsoft.com/office/drawing/2010/main" val="0"/>
+              </a:ext>
+            </a:extLst>
+          </a:blip>
+          <a:stretch>
+            <a:fillRect/>
+          </a:stretch>
+        </p:blipFill>
+        <p:spPr>
+          <a:xfrm>
+            <a:off x="125596" y="2500142"/>
+            <a:ext cx="6051230" cy="4036123"/>
+          </a:xfrm>
+          <a:prstGeom prst="rect">
+            <a:avLst/>
+          </a:prstGeom>
+        </p:spPr>
+      </p:pic>
     </p:spTree>
     <p:extLst>
       <p:ext uri="{BB962C8B-B14F-4D97-AF65-F5344CB8AC3E}">

--- a/Project_power_point.pptx
+++ b/Project_power_point.pptx
@@ -24688,10 +24688,10 @@
       </p:sp>
       <p:pic>
         <p:nvPicPr>
-          <p:cNvPr id="5" name="Picture 4">
+          <p:cNvPr id="7" name="Picture 6">
             <a:extLst>
               <a:ext uri="{FF2B5EF4-FFF2-40B4-BE49-F238E27FC236}">
-                <a16:creationId xmlns:a16="http://schemas.microsoft.com/office/drawing/2014/main" id="{077DC354-8F8C-4B3E-BEC4-D53693D376AA}"/>
+                <a16:creationId xmlns:a16="http://schemas.microsoft.com/office/drawing/2014/main" id="{A7CB46AD-CABC-4ED4-B49D-70F8F78E47A4}"/>
               </a:ext>
             </a:extLst>
           </p:cNvPr>
@@ -24714,8 +24714,8 @@
         </p:blipFill>
         <p:spPr>
           <a:xfrm>
-            <a:off x="4265417" y="2370494"/>
-            <a:ext cx="3959654" cy="2639769"/>
+            <a:off x="4196930" y="2427083"/>
+            <a:ext cx="3873760" cy="2583180"/>
           </a:xfrm>
           <a:prstGeom prst="rect">
             <a:avLst/>
@@ -28617,7 +28617,7 @@
         </p:nvSpPr>
         <p:spPr>
           <a:xfrm>
-            <a:off x="643467" y="1698171"/>
+            <a:off x="4321391" y="321735"/>
             <a:ext cx="3962061" cy="4516360"/>
           </a:xfrm>
         </p:spPr>
@@ -28628,7 +28628,7 @@
           <a:lstStyle/>
           <a:p>
             <a:r>
-              <a:rPr lang="en-US" sz="3600"/>
+              <a:rPr lang="en-US" sz="3600" dirty="0"/>
               <a:t>Closing Remarks</a:t>
             </a:r>
           </a:p>
@@ -28996,122 +28996,6 @@
       </p:sp>
       <p:sp>
         <p:nvSpPr>
-          <p:cNvPr id="3" name="Content Placeholder 2">
-            <a:extLst>
-              <a:ext uri="{FF2B5EF4-FFF2-40B4-BE49-F238E27FC236}">
-                <a16:creationId xmlns:a16="http://schemas.microsoft.com/office/drawing/2014/main" id="{E0C100FF-8CA4-4152-A29B-8CB18B1F0CDB}"/>
-              </a:ext>
-            </a:extLst>
-          </p:cNvPr>
-          <p:cNvSpPr>
-            <a:spLocks noGrp="1"/>
-          </p:cNvSpPr>
-          <p:nvPr>
-            <p:ph idx="1"/>
-          </p:nvPr>
-        </p:nvSpPr>
-        <p:spPr>
-          <a:xfrm>
-            <a:off x="5070020" y="1698170"/>
-            <a:ext cx="6478513" cy="4516361"/>
-          </a:xfrm>
-        </p:spPr>
-        <p:txBody>
-          <a:bodyPr>
-            <a:normAutofit/>
-          </a:bodyPr>
-          <a:lstStyle/>
-          <a:p>
-            <a:pPr marL="1371600" rtl="0" fontAlgn="base">
-              <a:spcBef>
-                <a:spcPts val="0"/>
-              </a:spcBef>
-              <a:spcAft>
-                <a:spcPts val="600"/>
-              </a:spcAft>
-              <a:buFont typeface="Arial" panose="020B0604020202020204" pitchFamily="34" charset="0"/>
-              <a:buChar char="•"/>
-            </a:pPr>
-            <a:r>
-              <a:rPr lang="en-US" sz="2000" b="0" i="0" u="none" strike="noStrike">
-                <a:effectLst/>
-                <a:latin typeface="Arial" panose="020B0604020202020204" pitchFamily="34" charset="0"/>
-              </a:rPr>
-              <a:t>David</a:t>
-            </a:r>
-          </a:p>
-          <a:p>
-            <a:pPr marL="1371600" rtl="0" fontAlgn="base">
-              <a:spcBef>
-                <a:spcPts val="0"/>
-              </a:spcBef>
-              <a:spcAft>
-                <a:spcPts val="600"/>
-              </a:spcAft>
-              <a:buFont typeface="Arial" panose="020B0604020202020204" pitchFamily="34" charset="0"/>
-              <a:buChar char="•"/>
-            </a:pPr>
-            <a:endParaRPr lang="en-US" sz="2000" b="0" i="0" u="none" strike="noStrike">
-              <a:effectLst/>
-              <a:latin typeface="Arial" panose="020B0604020202020204" pitchFamily="34" charset="0"/>
-            </a:endParaRPr>
-          </a:p>
-          <a:p>
-            <a:pPr marL="1371600" rtl="0" fontAlgn="base">
-              <a:spcBef>
-                <a:spcPts val="0"/>
-              </a:spcBef>
-              <a:spcAft>
-                <a:spcPts val="600"/>
-              </a:spcAft>
-              <a:buFont typeface="Arial" panose="020B0604020202020204" pitchFamily="34" charset="0"/>
-              <a:buChar char="•"/>
-            </a:pPr>
-            <a:r>
-              <a:rPr lang="en-US" sz="2000">
-                <a:latin typeface="Arial" panose="020B0604020202020204" pitchFamily="34" charset="0"/>
-              </a:rPr>
-              <a:t>Louis</a:t>
-            </a:r>
-          </a:p>
-          <a:p>
-            <a:pPr marL="1371600" rtl="0" fontAlgn="base">
-              <a:spcBef>
-                <a:spcPts val="0"/>
-              </a:spcBef>
-              <a:spcAft>
-                <a:spcPts val="600"/>
-              </a:spcAft>
-              <a:buFont typeface="Arial" panose="020B0604020202020204" pitchFamily="34" charset="0"/>
-              <a:buChar char="•"/>
-            </a:pPr>
-            <a:endParaRPr lang="en-US" sz="2000">
-              <a:latin typeface="Arial" panose="020B0604020202020204" pitchFamily="34" charset="0"/>
-            </a:endParaRPr>
-          </a:p>
-          <a:p>
-            <a:pPr marL="1371600" rtl="0" fontAlgn="base">
-              <a:spcBef>
-                <a:spcPts val="0"/>
-              </a:spcBef>
-              <a:spcAft>
-                <a:spcPts val="600"/>
-              </a:spcAft>
-              <a:buFont typeface="Arial" panose="020B0604020202020204" pitchFamily="34" charset="0"/>
-              <a:buChar char="•"/>
-            </a:pPr>
-            <a:r>
-              <a:rPr lang="en-US" sz="2000" b="0" i="0" u="none" strike="noStrike">
-                <a:effectLst/>
-                <a:latin typeface="Arial" panose="020B0604020202020204" pitchFamily="34" charset="0"/>
-              </a:rPr>
-              <a:t>Jae</a:t>
-            </a:r>
-          </a:p>
-        </p:txBody>
-      </p:sp>
-      <p:sp>
-        <p:nvSpPr>
           <p:cNvPr id="18" name="Isosceles Triangle 17">
             <a:extLst>
               <a:ext uri="{FF2B5EF4-FFF2-40B4-BE49-F238E27FC236}">
@@ -29272,8 +29156,8 @@
         </p:blipFill>
         <p:spPr>
           <a:xfrm>
-            <a:off x="125596" y="2500142"/>
-            <a:ext cx="6051230" cy="4036123"/>
+            <a:off x="2087746" y="1069836"/>
+            <a:ext cx="8374514" cy="5585735"/>
           </a:xfrm>
           <a:prstGeom prst="rect">
             <a:avLst/>
